--- a/02/009x_21.pptx
+++ b/02/009x_21.pptx
@@ -158,7 +158,7 @@
   </p:defaultTextStyle>
   <p:extLst>
     <p:ext uri="{EFAFB233-063F-42B5-8137-9DF3F51BA10A}">
-      <p15:sldGuideLst xmlns:p15="http://schemas.microsoft.com/office/powerpoint/2012/main" xmlns="">
+      <p15:sldGuideLst xmlns:p15="http://schemas.microsoft.com/office/powerpoint/2012/main">
         <p15:guide id="1" orient="horz" pos="2160" userDrawn="1">
           <p15:clr>
             <a:srgbClr val="A4A3A4"/>
@@ -257,7 +257,7 @@
           <a:p>
             <a:fld id="{0412B963-281D-0642-81B7-06A60C2985AD}" type="datetime1">
               <a:rPr kumimoji="1" lang="ja-JP" altLang="en-US" smtClean="0"/>
-              <a:t>17/02/10</a:t>
+              <a:t>2017/3/26</a:t>
             </a:fld>
             <a:endParaRPr kumimoji="1" lang="ja-JP" altLang="en-US"/>
           </a:p>
@@ -447,7 +447,7 @@
             </a:pPr>
             <a:fld id="{0EE9D497-FB4E-3041-93C1-90E0C07422CD}" type="datetime1">
               <a:rPr lang="ja-JP" altLang="en-US" smtClean="0"/>
-              <a:t>17/02/10</a:t>
+              <a:t>2017/3/26</a:t>
             </a:fld>
             <a:endParaRPr lang="en-US"/>
           </a:p>
@@ -4228,7 +4228,7 @@
             </a:pPr>
             <a:fld id="{A023B52E-C3FC-A848-B8A7-4DBA8B1017FE}" type="datetime1">
               <a:rPr lang="ja-JP" altLang="en-US" smtClean="0"/>
-              <a:t>17/02/10</a:t>
+              <a:t>2017/3/26</a:t>
             </a:fld>
             <a:endParaRPr lang="en-US"/>
           </a:p>
@@ -4485,7 +4485,7 @@
             </a:pPr>
             <a:fld id="{2DE75801-1A6B-394A-B005-5786EC074A9B}" type="datetime1">
               <a:rPr lang="ja-JP" altLang="en-US" smtClean="0"/>
-              <a:t>17/02/10</a:t>
+              <a:t>2017/3/26</a:t>
             </a:fld>
             <a:endParaRPr lang="en-US"/>
           </a:p>
@@ -4720,7 +4720,7 @@
             </a:pPr>
             <a:fld id="{073DB193-1D39-D94F-8E40-C5EC80DBC0CC}" type="datetime1">
               <a:rPr lang="ja-JP" altLang="en-US" smtClean="0"/>
-              <a:t>17/02/10</a:t>
+              <a:t>2017/3/26</a:t>
             </a:fld>
             <a:endParaRPr lang="en-US"/>
           </a:p>
@@ -5236,7 +5236,7 @@
               <a:pPr>
                 <a:defRPr/>
               </a:pPr>
-              <a:t>17/02/10</a:t>
+              <a:t>2017/3/26</a:t>
             </a:fld>
             <a:endParaRPr lang="en-US">
               <a:solidFill>
@@ -5810,7 +5810,7 @@
               <a:pPr>
                 <a:defRPr/>
               </a:pPr>
-              <a:t>17/02/10</a:t>
+              <a:t>2017/3/26</a:t>
             </a:fld>
             <a:endParaRPr lang="en-US">
               <a:solidFill>
@@ -5949,7 +5949,7 @@
   <p:timing>
     <p:tnLst>
       <p:par>
-        <p:cTn xmlns:p14="http://schemas.microsoft.com/office/powerpoint/2010/main" id="1" dur="indefinite" restart="never" nodeType="tmRoot"/>
+        <p:cTn id="1" dur="indefinite" restart="never" nodeType="tmRoot"/>
       </p:par>
     </p:tnLst>
   </p:timing>
@@ -6159,7 +6159,7 @@
               <a:pPr>
                 <a:defRPr/>
               </a:pPr>
-              <a:t>17/02/10</a:t>
+              <a:t>2017/3/26</a:t>
             </a:fld>
             <a:endParaRPr lang="en-US">
               <a:solidFill>
@@ -6867,7 +6867,7 @@
               <a:pPr>
                 <a:defRPr/>
               </a:pPr>
-              <a:t>17/02/10</a:t>
+              <a:t>2017/3/26</a:t>
             </a:fld>
             <a:endParaRPr lang="en-US">
               <a:solidFill>
@@ -7700,7 +7700,7 @@
               <a:pPr>
                 <a:defRPr/>
               </a:pPr>
-              <a:t>17/02/10</a:t>
+              <a:t>2017/3/26</a:t>
             </a:fld>
             <a:endParaRPr lang="en-US">
               <a:solidFill>
@@ -8177,7 +8177,7 @@
               <a:pPr>
                 <a:defRPr/>
               </a:pPr>
-              <a:t>17/02/10</a:t>
+              <a:t>2017/3/26</a:t>
             </a:fld>
             <a:endParaRPr lang="en-US">
               <a:solidFill>
@@ -8543,7 +8543,7 @@
               <a:pPr>
                 <a:defRPr/>
               </a:pPr>
-              <a:t>17/02/10</a:t>
+              <a:t>2017/3/26</a:t>
             </a:fld>
             <a:endParaRPr lang="en-US">
               <a:solidFill>
@@ -8928,7 +8928,7 @@
               <a:pPr>
                 <a:defRPr/>
               </a:pPr>
-              <a:t>17/02/10</a:t>
+              <a:t>2017/3/26</a:t>
             </a:fld>
             <a:endParaRPr lang="en-US">
               <a:solidFill>
@@ -9473,7 +9473,7 @@
             </a:pPr>
             <a:fld id="{7D58C5EB-780A-E642-8BB9-48AF6B9A0C93}" type="datetime1">
               <a:rPr lang="ja-JP" altLang="en-US" smtClean="0"/>
-              <a:t>17/02/10</a:t>
+              <a:t>2017/3/26</a:t>
             </a:fld>
             <a:endParaRPr lang="en-US"/>
           </a:p>
@@ -9582,7 +9582,7 @@
   <p:timing>
     <p:tnLst>
       <p:par>
-        <p:cTn xmlns:p14="http://schemas.microsoft.com/office/powerpoint/2010/main" id="1" dur="indefinite" restart="never" nodeType="tmRoot"/>
+        <p:cTn id="1" dur="indefinite" restart="never" nodeType="tmRoot"/>
       </p:par>
     </p:tnLst>
   </p:timing>
@@ -9806,7 +9806,7 @@
               <a:pPr>
                 <a:defRPr/>
               </a:pPr>
-              <a:t>17/02/10</a:t>
+              <a:t>2017/3/26</a:t>
             </a:fld>
             <a:endParaRPr lang="en-US">
               <a:solidFill>
@@ -10082,7 +10082,7 @@
               <a:pPr>
                 <a:defRPr/>
               </a:pPr>
-              <a:t>17/02/10</a:t>
+              <a:t>2017/3/26</a:t>
             </a:fld>
             <a:endParaRPr lang="en-US">
               <a:solidFill>
@@ -10368,7 +10368,7 @@
               <a:pPr>
                 <a:defRPr/>
               </a:pPr>
-              <a:t>17/02/10</a:t>
+              <a:t>2017/3/26</a:t>
             </a:fld>
             <a:endParaRPr lang="en-US">
               <a:solidFill>
@@ -10677,7 +10677,7 @@
             </a:pPr>
             <a:fld id="{EC559CBC-7087-6D41-8C71-6B6BCC6E0EE3}" type="datetime1">
               <a:rPr lang="ja-JP" altLang="en-US" smtClean="0"/>
-              <a:t>17/02/10</a:t>
+              <a:t>2017/3/26</a:t>
             </a:fld>
             <a:endParaRPr lang="en-US"/>
           </a:p>
@@ -11339,7 +11339,7 @@
             </a:pPr>
             <a:fld id="{342E31EE-E339-0841-B520-05F3A10B4FBF}" type="datetime1">
               <a:rPr lang="ja-JP" altLang="en-US" smtClean="0"/>
-              <a:t>17/02/10</a:t>
+              <a:t>2017/3/26</a:t>
             </a:fld>
             <a:endParaRPr lang="en-US"/>
           </a:p>
@@ -12131,7 +12131,7 @@
             </a:pPr>
             <a:fld id="{9C45F164-7935-224C-A922-3217B740A4E7}" type="datetime1">
               <a:rPr lang="ja-JP" altLang="en-US" smtClean="0"/>
-              <a:t>17/02/10</a:t>
+              <a:t>2017/3/26</a:t>
             </a:fld>
             <a:endParaRPr lang="en-US"/>
           </a:p>
@@ -12568,7 +12568,7 @@
             </a:pPr>
             <a:fld id="{84905C6B-2FEB-1741-BBF6-BD111E1D4EA0}" type="datetime1">
               <a:rPr lang="ja-JP" altLang="en-US" smtClean="0"/>
-              <a:t>17/02/10</a:t>
+              <a:t>2017/3/26</a:t>
             </a:fld>
             <a:endParaRPr lang="en-US"/>
           </a:p>
@@ -12899,7 +12899,7 @@
             </a:pPr>
             <a:fld id="{331FF03F-3229-1D47-9BC7-23D3C122EEFB}" type="datetime1">
               <a:rPr lang="ja-JP" altLang="en-US" smtClean="0"/>
-              <a:t>17/02/10</a:t>
+              <a:t>2017/3/26</a:t>
             </a:fld>
             <a:endParaRPr lang="en-US"/>
           </a:p>
@@ -13249,7 +13249,7 @@
             </a:pPr>
             <a:fld id="{9B242E05-CAC7-5E43-8B86-8A3E0256E9A3}" type="datetime1">
               <a:rPr lang="ja-JP" altLang="en-US" smtClean="0"/>
-              <a:t>17/02/10</a:t>
+              <a:t>2017/3/26</a:t>
             </a:fld>
             <a:endParaRPr lang="en-US"/>
           </a:p>
@@ -13532,7 +13532,7 @@
             </a:pPr>
             <a:fld id="{60626716-BD6C-D348-A5AA-41DF31DB35E1}" type="datetime1">
               <a:rPr lang="ja-JP" altLang="en-US" smtClean="0"/>
-              <a:t>17/02/10</a:t>
+              <a:t>2017/3/26</a:t>
             </a:fld>
             <a:endParaRPr lang="en-US"/>
           </a:p>
@@ -13823,7 +13823,7 @@
             </a:pPr>
             <a:fld id="{2062BAB6-2670-A84E-B27B-9C88D5D27877}" type="datetime1">
               <a:rPr lang="ja-JP" altLang="en-US" smtClean="0"/>
-              <a:t>17/02/10</a:t>
+              <a:t>2017/3/26</a:t>
             </a:fld>
             <a:endParaRPr lang="en-US"/>
           </a:p>
@@ -14560,7 +14560,7 @@
               <a:pPr>
                 <a:defRPr/>
               </a:pPr>
-              <a:t>17/02/10</a:t>
+              <a:t>2017/3/26</a:t>
             </a:fld>
             <a:endParaRPr lang="en-US">
               <a:solidFill>
@@ -15306,7 +15306,7 @@
   <p:timing>
     <p:tnLst>
       <p:par>
-        <p:cTn xmlns:p14="http://schemas.microsoft.com/office/powerpoint/2010/main" id="1" dur="indefinite" restart="never" nodeType="tmRoot"/>
+        <p:cTn id="1" dur="indefinite" restart="never" nodeType="tmRoot"/>
       </p:par>
     </p:tnLst>
   </p:timing>
@@ -15430,12 +15430,12 @@
           <a:graphicData uri="http://schemas.openxmlformats.org/presentationml/2006/ole">
             <mc:AlternateContent xmlns:mc="http://schemas.openxmlformats.org/markup-compatibility/2006">
               <mc:Choice xmlns:v="urn:schemas-microsoft-com:vml" Requires="v">
-                <p:oleObj spid="_x0000_s20592" name="文書" r:id="rId4" imgW="4495800" imgH="1955800" progId="Word.Document.12">
+                <p:oleObj spid="_x0000_s20594" name="文書" r:id="rId5" imgW="4495800" imgH="1955800" progId="Word.Document.12">
                   <p:embed/>
                 </p:oleObj>
               </mc:Choice>
               <mc:Fallback>
-                <p:oleObj name="文書" r:id="rId4" imgW="4495800" imgH="1955800" progId="Word.Document.12">
+                <p:oleObj name="文書" r:id="rId5" imgW="4495800" imgH="1955800" progId="Word.Document.12">
                   <p:embed/>
                   <p:pic>
                     <p:nvPicPr>
@@ -15444,7 +15444,7 @@
                       <p:nvPr/>
                     </p:nvPicPr>
                     <p:blipFill>
-                      <a:blip r:embed="rId5"/>
+                      <a:blip r:embed="rId6"/>
                       <a:stretch>
                         <a:fillRect/>
                       </a:stretch>
@@ -15478,7 +15478,7 @@
   <p:timing>
     <p:tnLst>
       <p:par>
-        <p:cTn xmlns:p14="http://schemas.microsoft.com/office/powerpoint/2010/main" id="1" dur="indefinite" restart="never" nodeType="tmRoot"/>
+        <p:cTn id="1" dur="indefinite" restart="never" nodeType="tmRoot"/>
       </p:par>
     </p:tnLst>
   </p:timing>
@@ -15602,12 +15602,12 @@
           <a:graphicData uri="http://schemas.openxmlformats.org/presentationml/2006/ole">
             <mc:AlternateContent xmlns:mc="http://schemas.openxmlformats.org/markup-compatibility/2006">
               <mc:Choice xmlns:v="urn:schemas-microsoft-com:vml" Requires="v">
-                <p:oleObj spid="_x0000_s1122" name="文書" r:id="rId4" imgW="4495800" imgH="1866900" progId="Word.Document.12">
+                <p:oleObj spid="_x0000_s1124" name="文書" r:id="rId5" imgW="4495800" imgH="1866900" progId="Word.Document.12">
                   <p:embed/>
                 </p:oleObj>
               </mc:Choice>
               <mc:Fallback>
-                <p:oleObj name="文書" r:id="rId4" imgW="4495800" imgH="1866900" progId="Word.Document.12">
+                <p:oleObj name="文書" r:id="rId5" imgW="4495800" imgH="1866900" progId="Word.Document.12">
                   <p:embed/>
                   <p:pic>
                     <p:nvPicPr>
@@ -15616,7 +15616,7 @@
                       <p:nvPr/>
                     </p:nvPicPr>
                     <p:blipFill>
-                      <a:blip r:embed="rId5"/>
+                      <a:blip r:embed="rId6"/>
                       <a:stretch>
                         <a:fillRect/>
                       </a:stretch>
@@ -15650,7 +15650,7 @@
   <p:timing>
     <p:tnLst>
       <p:par>
-        <p:cTn xmlns:p14="http://schemas.microsoft.com/office/powerpoint/2010/main" id="1" dur="indefinite" restart="never" nodeType="tmRoot"/>
+        <p:cTn id="1" dur="indefinite" restart="never" nodeType="tmRoot"/>
       </p:par>
     </p:tnLst>
   </p:timing>
@@ -15774,12 +15774,12 @@
           <a:graphicData uri="http://schemas.openxmlformats.org/presentationml/2006/ole">
             <mc:AlternateContent xmlns:mc="http://schemas.openxmlformats.org/markup-compatibility/2006">
               <mc:Choice xmlns:v="urn:schemas-microsoft-com:vml" Requires="v">
-                <p:oleObj spid="_x0000_s39946" name="文書" r:id="rId4" imgW="4495800" imgH="1866900" progId="Word.Document.12">
+                <p:oleObj spid="_x0000_s39948" name="文書" r:id="rId5" imgW="4495800" imgH="1866900" progId="Word.Document.12">
                   <p:embed/>
                 </p:oleObj>
               </mc:Choice>
               <mc:Fallback>
-                <p:oleObj name="文書" r:id="rId4" imgW="4495800" imgH="1866900" progId="Word.Document.12">
+                <p:oleObj name="文書" r:id="rId5" imgW="4495800" imgH="1866900" progId="Word.Document.12">
                   <p:embed/>
                   <p:pic>
                     <p:nvPicPr>
@@ -15788,7 +15788,7 @@
                       <p:nvPr/>
                     </p:nvPicPr>
                     <p:blipFill>
-                      <a:blip r:embed="rId5"/>
+                      <a:blip r:embed="rId6"/>
                       <a:stretch>
                         <a:fillRect/>
                       </a:stretch>
@@ -15818,7 +15818,7 @@
           <p:nvPr/>
         </p:nvPicPr>
         <p:blipFill>
-          <a:blip r:embed="rId6">
+          <a:blip r:embed="rId7">
             <a:extLst>
               <a:ext uri="{28A0092B-C50C-407E-A947-70E740481C1C}">
                 <a14:useLocalDpi xmlns:a14="http://schemas.microsoft.com/office/drawing/2010/main" val="0"/>
@@ -15852,7 +15852,7 @@
   <p:timing>
     <p:tnLst>
       <p:par>
-        <p:cTn xmlns:p14="http://schemas.microsoft.com/office/powerpoint/2010/main" id="1" dur="indefinite" restart="never" nodeType="tmRoot"/>
+        <p:cTn id="1" dur="indefinite" restart="never" nodeType="tmRoot"/>
       </p:par>
     </p:tnLst>
   </p:timing>
@@ -15976,12 +15976,12 @@
           <a:graphicData uri="http://schemas.openxmlformats.org/presentationml/2006/ole">
             <mc:AlternateContent xmlns:mc="http://schemas.openxmlformats.org/markup-compatibility/2006">
               <mc:Choice xmlns:v="urn:schemas-microsoft-com:vml" Requires="v">
-                <p:oleObj spid="_x0000_s29792" name="文書" r:id="rId4" imgW="4495800" imgH="1943100" progId="Word.Document.12">
+                <p:oleObj spid="_x0000_s29794" name="文書" r:id="rId5" imgW="4495800" imgH="1943100" progId="Word.Document.12">
                   <p:embed/>
                 </p:oleObj>
               </mc:Choice>
               <mc:Fallback>
-                <p:oleObj name="文書" r:id="rId4" imgW="4495800" imgH="1943100" progId="Word.Document.12">
+                <p:oleObj name="文書" r:id="rId5" imgW="4495800" imgH="1943100" progId="Word.Document.12">
                   <p:embed/>
                   <p:pic>
                     <p:nvPicPr>
@@ -15990,7 +15990,7 @@
                       <p:nvPr/>
                     </p:nvPicPr>
                     <p:blipFill>
-                      <a:blip r:embed="rId5"/>
+                      <a:blip r:embed="rId6"/>
                       <a:stretch>
                         <a:fillRect/>
                       </a:stretch>
@@ -16024,7 +16024,7 @@
   <p:timing>
     <p:tnLst>
       <p:par>
-        <p:cTn xmlns:p14="http://schemas.microsoft.com/office/powerpoint/2010/main" id="1" dur="indefinite" restart="never" nodeType="tmRoot"/>
+        <p:cTn id="1" dur="indefinite" restart="never" nodeType="tmRoot"/>
       </p:par>
     </p:tnLst>
   </p:timing>
@@ -16148,12 +16148,12 @@
           <a:graphicData uri="http://schemas.openxmlformats.org/presentationml/2006/ole">
             <mc:AlternateContent xmlns:mc="http://schemas.openxmlformats.org/markup-compatibility/2006">
               <mc:Choice xmlns:v="urn:schemas-microsoft-com:vml" Requires="v">
-                <p:oleObj spid="_x0000_s40970" name="文書" r:id="rId4" imgW="4495800" imgH="1943100" progId="Word.Document.12">
+                <p:oleObj spid="_x0000_s40972" name="文書" r:id="rId5" imgW="4495800" imgH="1943100" progId="Word.Document.12">
                   <p:embed/>
                 </p:oleObj>
               </mc:Choice>
               <mc:Fallback>
-                <p:oleObj name="文書" r:id="rId4" imgW="4495800" imgH="1943100" progId="Word.Document.12">
+                <p:oleObj name="文書" r:id="rId5" imgW="4495800" imgH="1943100" progId="Word.Document.12">
                   <p:embed/>
                   <p:pic>
                     <p:nvPicPr>
@@ -16162,7 +16162,7 @@
                       <p:nvPr/>
                     </p:nvPicPr>
                     <p:blipFill>
-                      <a:blip r:embed="rId5"/>
+                      <a:blip r:embed="rId6"/>
                       <a:stretch>
                         <a:fillRect/>
                       </a:stretch>
@@ -16192,7 +16192,7 @@
           <p:nvPr/>
         </p:nvPicPr>
         <p:blipFill>
-          <a:blip r:embed="rId6">
+          <a:blip r:embed="rId7">
             <a:extLst>
               <a:ext uri="{28A0092B-C50C-407E-A947-70E740481C1C}">
                 <a14:useLocalDpi xmlns:a14="http://schemas.microsoft.com/office/drawing/2010/main" val="0"/>
@@ -16226,7 +16226,7 @@
   <p:timing>
     <p:tnLst>
       <p:par>
-        <p:cTn xmlns:p14="http://schemas.microsoft.com/office/powerpoint/2010/main" id="1" dur="indefinite" restart="never" nodeType="tmRoot"/>
+        <p:cTn id="1" dur="indefinite" restart="never" nodeType="tmRoot"/>
       </p:par>
     </p:tnLst>
   </p:timing>
@@ -16350,12 +16350,12 @@
           <a:graphicData uri="http://schemas.openxmlformats.org/presentationml/2006/ole">
             <mc:AlternateContent xmlns:mc="http://schemas.openxmlformats.org/markup-compatibility/2006">
               <mc:Choice xmlns:v="urn:schemas-microsoft-com:vml" Requires="v">
-                <p:oleObj spid="_x0000_s22640" name="文書" r:id="rId4" imgW="4495800" imgH="1905000" progId="Word.Document.12">
+                <p:oleObj spid="_x0000_s22642" name="文書" r:id="rId5" imgW="4495800" imgH="1905000" progId="Word.Document.12">
                   <p:embed/>
                 </p:oleObj>
               </mc:Choice>
               <mc:Fallback>
-                <p:oleObj name="文書" r:id="rId4" imgW="4495800" imgH="1905000" progId="Word.Document.12">
+                <p:oleObj name="文書" r:id="rId5" imgW="4495800" imgH="1905000" progId="Word.Document.12">
                   <p:embed/>
                   <p:pic>
                     <p:nvPicPr>
@@ -16364,7 +16364,7 @@
                       <p:nvPr/>
                     </p:nvPicPr>
                     <p:blipFill>
-                      <a:blip r:embed="rId5"/>
+                      <a:blip r:embed="rId6"/>
                       <a:stretch>
                         <a:fillRect/>
                       </a:stretch>
@@ -16434,7 +16434,7 @@
   <p:timing>
     <p:tnLst>
       <p:par>
-        <p:cTn xmlns:p14="http://schemas.microsoft.com/office/powerpoint/2010/main" id="1" dur="indefinite" restart="never" nodeType="tmRoot"/>
+        <p:cTn id="1" dur="indefinite" restart="never" nodeType="tmRoot"/>
       </p:par>
     </p:tnLst>
   </p:timing>
@@ -16558,12 +16558,12 @@
           <a:graphicData uri="http://schemas.openxmlformats.org/presentationml/2006/ole">
             <mc:AlternateContent xmlns:mc="http://schemas.openxmlformats.org/markup-compatibility/2006">
               <mc:Choice xmlns:v="urn:schemas-microsoft-com:vml" Requires="v">
-                <p:oleObj spid="_x0000_s37966" name="文書" r:id="rId4" imgW="4495800" imgH="1955800" progId="Word.Document.12">
+                <p:oleObj spid="_x0000_s37968" name="文書" r:id="rId5" imgW="4495800" imgH="1955800" progId="Word.Document.12">
                   <p:embed/>
                 </p:oleObj>
               </mc:Choice>
               <mc:Fallback>
-                <p:oleObj name="文書" r:id="rId4" imgW="4495800" imgH="1955800" progId="Word.Document.12">
+                <p:oleObj name="文書" r:id="rId5" imgW="4495800" imgH="1955800" progId="Word.Document.12">
                   <p:embed/>
                   <p:pic>
                     <p:nvPicPr>
@@ -16572,7 +16572,7 @@
                       <p:nvPr/>
                     </p:nvPicPr>
                     <p:blipFill>
-                      <a:blip r:embed="rId5"/>
+                      <a:blip r:embed="rId6"/>
                       <a:stretch>
                         <a:fillRect/>
                       </a:stretch>
@@ -16642,7 +16642,7 @@
   <p:timing>
     <p:tnLst>
       <p:par>
-        <p:cTn xmlns:p14="http://schemas.microsoft.com/office/powerpoint/2010/main" id="1" dur="indefinite" restart="never" nodeType="tmRoot"/>
+        <p:cTn id="1" dur="indefinite" restart="never" nodeType="tmRoot"/>
       </p:par>
     </p:tnLst>
   </p:timing>
@@ -16786,426 +16786,7 @@
           <a:graphicData uri="http://schemas.openxmlformats.org/presentationml/2006/ole">
             <mc:AlternateContent xmlns:mc="http://schemas.openxmlformats.org/markup-compatibility/2006">
               <mc:Choice xmlns:v="urn:schemas-microsoft-com:vml" Requires="v">
-                <p:oleObj spid="_x0000_s17634" name="文書" r:id="rId4" imgW="4495800" imgH="419100" progId="Word.Document.12">
-                  <p:embed/>
-                </p:oleObj>
-              </mc:Choice>
-              <mc:Fallback>
-                <p:oleObj name="文書" r:id="rId4" imgW="4495800" imgH="419100" progId="Word.Document.12">
-                  <p:embed/>
-                  <p:pic>
-                    <p:nvPicPr>
-                      <p:cNvPr id="0" name=""/>
-                      <p:cNvPicPr/>
-                      <p:nvPr/>
-                    </p:nvPicPr>
-                    <p:blipFill>
-                      <a:blip r:embed="rId5"/>
-                      <a:stretch>
-                        <a:fillRect/>
-                      </a:stretch>
-                    </p:blipFill>
-                    <p:spPr>
-                      <a:xfrm>
-                        <a:off x="1055440" y="1196752"/>
-                        <a:ext cx="11239500" cy="1047750"/>
-                      </a:xfrm>
-                      <a:prstGeom prst="rect">
-                        <a:avLst/>
-                      </a:prstGeom>
-                    </p:spPr>
-                  </p:pic>
-                </p:oleObj>
-              </mc:Fallback>
-            </mc:AlternateContent>
-          </a:graphicData>
-        </a:graphic>
-      </p:graphicFrame>
-      <p:pic>
-        <p:nvPicPr>
-          <p:cNvPr id="7" name="図 6" descr="stochastic.png"/>
-          <p:cNvPicPr>
-            <a:picLocks noChangeAspect="1"/>
-          </p:cNvPicPr>
-          <p:nvPr/>
-        </p:nvPicPr>
-        <p:blipFill>
-          <a:blip r:embed="rId6">
-            <a:extLst>
-              <a:ext uri="{28A0092B-C50C-407E-A947-70E740481C1C}">
-                <a14:useLocalDpi xmlns:a14="http://schemas.microsoft.com/office/drawing/2010/main" val="0"/>
-              </a:ext>
-            </a:extLst>
-          </a:blip>
-          <a:stretch>
-            <a:fillRect/>
-          </a:stretch>
-        </p:blipFill>
-        <p:spPr>
-          <a:xfrm>
-            <a:off x="263352" y="2671399"/>
-            <a:ext cx="5689255" cy="3781937"/>
-          </a:xfrm>
-          <a:prstGeom prst="rect">
-            <a:avLst/>
-          </a:prstGeom>
-        </p:spPr>
-      </p:pic>
-      <p:graphicFrame>
-        <p:nvGraphicFramePr>
-          <p:cNvPr id="10" name="オブジェクト 9"/>
-          <p:cNvGraphicFramePr>
-            <a:graphicFrameLocks noChangeAspect="1"/>
-          </p:cNvGraphicFramePr>
-          <p:nvPr>
-            <p:extLst>
-              <p:ext uri="{D42A27DB-BD31-4B8C-83A1-F6EECF244321}">
-                <p14:modId xmlns:p14="http://schemas.microsoft.com/office/powerpoint/2010/main" val="3500895315"/>
-              </p:ext>
-            </p:extLst>
-          </p:nvPr>
-        </p:nvGraphicFramePr>
-        <p:xfrm>
-          <a:off x="191344" y="1196752"/>
-          <a:ext cx="11239500" cy="539750"/>
-        </p:xfrm>
-        <a:graphic>
-          <a:graphicData uri="http://schemas.openxmlformats.org/presentationml/2006/ole">
-            <mc:AlternateContent xmlns:mc="http://schemas.openxmlformats.org/markup-compatibility/2006">
-              <mc:Choice xmlns:v="urn:schemas-microsoft-com:vml" Requires="v">
-                <p:oleObj spid="_x0000_s17635" name="文書" r:id="rId7" imgW="4495800" imgH="215900" progId="Word.Document.12">
-                  <p:embed/>
-                </p:oleObj>
-              </mc:Choice>
-              <mc:Fallback>
-                <p:oleObj name="文書" r:id="rId7" imgW="4495800" imgH="215900" progId="Word.Document.12">
-                  <p:embed/>
-                  <p:pic>
-                    <p:nvPicPr>
-                      <p:cNvPr id="0" name=""/>
-                      <p:cNvPicPr/>
-                      <p:nvPr/>
-                    </p:nvPicPr>
-                    <p:blipFill>
-                      <a:blip r:embed="rId8"/>
-                      <a:stretch>
-                        <a:fillRect/>
-                      </a:stretch>
-                    </p:blipFill>
-                    <p:spPr>
-                      <a:xfrm>
-                        <a:off x="191344" y="1196752"/>
-                        <a:ext cx="11239500" cy="539750"/>
-                      </a:xfrm>
-                      <a:prstGeom prst="rect">
-                        <a:avLst/>
-                      </a:prstGeom>
-                    </p:spPr>
-                  </p:pic>
-                </p:oleObj>
-              </mc:Fallback>
-            </mc:AlternateContent>
-          </a:graphicData>
-        </a:graphic>
-      </p:graphicFrame>
-      <p:pic>
-        <p:nvPicPr>
-          <p:cNvPr id="30" name="図 29" descr="general.png"/>
-          <p:cNvPicPr>
-            <a:picLocks noChangeAspect="1"/>
-          </p:cNvPicPr>
-          <p:nvPr/>
-        </p:nvPicPr>
-        <p:blipFill>
-          <a:blip r:embed="rId9">
-            <a:extLst>
-              <a:ext uri="{28A0092B-C50C-407E-A947-70E740481C1C}">
-                <a14:useLocalDpi xmlns:a14="http://schemas.microsoft.com/office/drawing/2010/main" val="0"/>
-              </a:ext>
-            </a:extLst>
-          </a:blip>
-          <a:stretch>
-            <a:fillRect/>
-          </a:stretch>
-        </p:blipFill>
-        <p:spPr>
-          <a:xfrm>
-            <a:off x="6312024" y="1699266"/>
-            <a:ext cx="5256584" cy="4790434"/>
-          </a:xfrm>
-          <a:prstGeom prst="rect">
-            <a:avLst/>
-          </a:prstGeom>
-        </p:spPr>
-      </p:pic>
-      <p:sp>
-        <p:nvSpPr>
-          <p:cNvPr id="32" name="テキスト ボックス 31"/>
-          <p:cNvSpPr txBox="1"/>
-          <p:nvPr/>
-        </p:nvSpPr>
-        <p:spPr>
-          <a:xfrm>
-            <a:off x="2280199" y="5157192"/>
-            <a:ext cx="2085627" cy="461665"/>
-          </a:xfrm>
-          <a:prstGeom prst="rect">
-            <a:avLst/>
-          </a:prstGeom>
-          <a:noFill/>
-        </p:spPr>
-        <p:txBody>
-          <a:bodyPr wrap="none" rtlCol="0">
-            <a:spAutoFit/>
-          </a:bodyPr>
-          <a:lstStyle/>
-          <a:p>
-            <a:r>
-              <a:rPr kumimoji="1" lang="en-US" altLang="ja-JP" sz="2400" dirty="0" smtClean="0"/>
-              <a:t>Example of </a:t>
-            </a:r>
-            <a:r>
-              <a:rPr kumimoji="1" lang="en-US" altLang="ja-JP" sz="2400" i="1" dirty="0" smtClean="0"/>
-              <a:t>X</a:t>
-            </a:r>
-            <a:endParaRPr kumimoji="1" lang="ja-JP" altLang="en-US" sz="2400" i="1" dirty="0"/>
-          </a:p>
-        </p:txBody>
-      </p:sp>
-      <p:sp>
-        <p:nvSpPr>
-          <p:cNvPr id="33" name="テキスト ボックス 32"/>
-          <p:cNvSpPr txBox="1"/>
-          <p:nvPr/>
-        </p:nvSpPr>
-        <p:spPr>
-          <a:xfrm>
-            <a:off x="8904312" y="1916832"/>
-            <a:ext cx="2373967" cy="461665"/>
-          </a:xfrm>
-          <a:prstGeom prst="rect">
-            <a:avLst/>
-          </a:prstGeom>
-          <a:noFill/>
-        </p:spPr>
-        <p:txBody>
-          <a:bodyPr wrap="none" rtlCol="0">
-            <a:spAutoFit/>
-          </a:bodyPr>
-          <a:lstStyle/>
-          <a:p>
-            <a:r>
-              <a:rPr kumimoji="1" lang="en-US" altLang="ja-JP" sz="2400" dirty="0" smtClean="0"/>
-              <a:t>Example of </a:t>
-            </a:r>
-            <a:r>
-              <a:rPr kumimoji="1" lang="en-US" altLang="ja-JP" sz="2400" i="1" dirty="0" smtClean="0"/>
-              <a:t>P</a:t>
-            </a:r>
-            <a:r>
-              <a:rPr kumimoji="1" lang="en-US" altLang="ja-JP" sz="2400" dirty="0" smtClean="0"/>
-              <a:t>(</a:t>
-            </a:r>
-            <a:r>
-              <a:rPr kumimoji="1" lang="en-US" altLang="ja-JP" sz="2400" i="1" dirty="0" smtClean="0"/>
-              <a:t>x</a:t>
-            </a:r>
-            <a:r>
-              <a:rPr kumimoji="1" lang="en-US" altLang="ja-JP" sz="2400" dirty="0" smtClean="0"/>
-              <a:t>)</a:t>
-            </a:r>
-            <a:endParaRPr kumimoji="1" lang="ja-JP" altLang="en-US" sz="2400" dirty="0"/>
-          </a:p>
-        </p:txBody>
-      </p:sp>
-    </p:spTree>
-    <p:extLst>
-      <p:ext uri="{BB962C8B-B14F-4D97-AF65-F5344CB8AC3E}">
-        <p14:creationId xmlns:p14="http://schemas.microsoft.com/office/powerpoint/2010/main" val="2557108801"/>
-      </p:ext>
-    </p:extLst>
-  </p:cSld>
-  <p:clrMapOvr>
-    <a:masterClrMapping/>
-  </p:clrMapOvr>
-  <p:timing>
-    <p:tnLst>
-      <p:par>
-        <p:cTn xmlns:p14="http://schemas.microsoft.com/office/powerpoint/2010/main" id="1" dur="indefinite" restart="never" nodeType="tmRoot"/>
-      </p:par>
-    </p:tnLst>
-  </p:timing>
-</p:sld>
-</file>
-
-<file path=ppt/slides/slide3.xml><?xml version="1.0" encoding="utf-8"?>
-<p:sld xmlns:a="http://schemas.openxmlformats.org/drawingml/2006/main" xmlns:r="http://schemas.openxmlformats.org/officeDocument/2006/relationships" xmlns:p="http://schemas.openxmlformats.org/presentationml/2006/main">
-  <p:cSld>
-    <p:spTree>
-      <p:nvGrpSpPr>
-        <p:cNvPr id="1" name=""/>
-        <p:cNvGrpSpPr/>
-        <p:nvPr/>
-      </p:nvGrpSpPr>
-      <p:grpSpPr>
-        <a:xfrm>
-          <a:off x="0" y="0"/>
-          <a:ext cx="0" cy="0"/>
-          <a:chOff x="0" y="0"/>
-          <a:chExt cx="0" cy="0"/>
-        </a:xfrm>
-      </p:grpSpPr>
-      <p:pic>
-        <p:nvPicPr>
-          <p:cNvPr id="19" name="図 18" descr="general.png"/>
-          <p:cNvPicPr>
-            <a:picLocks noChangeAspect="1"/>
-          </p:cNvPicPr>
-          <p:nvPr/>
-        </p:nvPicPr>
-        <p:blipFill>
-          <a:blip r:embed="rId4">
-            <a:extLst>
-              <a:ext uri="{28A0092B-C50C-407E-A947-70E740481C1C}">
-                <a14:useLocalDpi xmlns:a14="http://schemas.microsoft.com/office/drawing/2010/main" val="0"/>
-              </a:ext>
-            </a:extLst>
-          </a:blip>
-          <a:stretch>
-            <a:fillRect/>
-          </a:stretch>
-        </p:blipFill>
-        <p:spPr>
-          <a:xfrm>
-            <a:off x="6312024" y="1699266"/>
-            <a:ext cx="5256584" cy="4790434"/>
-          </a:xfrm>
-          <a:prstGeom prst="rect">
-            <a:avLst/>
-          </a:prstGeom>
-        </p:spPr>
-      </p:pic>
-      <p:sp>
-        <p:nvSpPr>
-          <p:cNvPr id="3" name="タイトル 2"/>
-          <p:cNvSpPr>
-            <a:spLocks noGrp="1"/>
-          </p:cNvSpPr>
-          <p:nvPr>
-            <p:ph type="title"/>
-          </p:nvPr>
-        </p:nvSpPr>
-        <p:spPr/>
-        <p:txBody>
-          <a:bodyPr/>
-          <a:lstStyle/>
-          <a:p>
-            <a:r>
-              <a:rPr lang="en-US" altLang="ja-JP" sz="4400" dirty="0"/>
-              <a:t>Stochastic variable and distribution functions</a:t>
-            </a:r>
-            <a:endParaRPr lang="ja-JP" altLang="en-US" sz="4400" dirty="0"/>
-          </a:p>
-        </p:txBody>
-      </p:sp>
-      <p:sp>
-        <p:nvSpPr>
-          <p:cNvPr id="5" name="スライド番号プレースホルダー 4"/>
-          <p:cNvSpPr>
-            <a:spLocks noGrp="1"/>
-          </p:cNvSpPr>
-          <p:nvPr>
-            <p:ph type="sldNum" sz="quarter" idx="12"/>
-          </p:nvPr>
-        </p:nvSpPr>
-        <p:spPr/>
-        <p:txBody>
-          <a:bodyPr/>
-          <a:lstStyle/>
-          <a:p>
-            <a:pPr>
-              <a:defRPr/>
-            </a:pPr>
-            <a:fld id="{5BC7FEBF-A170-470C-A369-F0D066FB58E5}" type="slidenum">
-              <a:rPr lang="en-US">
-                <a:solidFill>
-                  <a:prstClr val="white"/>
-                </a:solidFill>
-                <a:latin typeface="Calibri"/>
-              </a:rPr>
-              <a:pPr>
-                <a:defRPr/>
-              </a:pPr>
-              <a:t>3</a:t>
-            </a:fld>
-            <a:endParaRPr lang="en-US">
-              <a:solidFill>
-                <a:prstClr val="white"/>
-              </a:solidFill>
-              <a:latin typeface="Calibri"/>
-            </a:endParaRPr>
-          </a:p>
-        </p:txBody>
-      </p:sp>
-      <p:sp>
-        <p:nvSpPr>
-          <p:cNvPr id="6" name="フッター プレースホルダー 5"/>
-          <p:cNvSpPr>
-            <a:spLocks noGrp="1"/>
-          </p:cNvSpPr>
-          <p:nvPr>
-            <p:ph type="ftr" sz="quarter" idx="11"/>
-          </p:nvPr>
-        </p:nvSpPr>
-        <p:spPr/>
-        <p:txBody>
-          <a:bodyPr/>
-          <a:lstStyle/>
-          <a:p>
-            <a:pPr algn="r">
-              <a:defRPr/>
-            </a:pPr>
-            <a:r>
-              <a:rPr lang="en-US" dirty="0" smtClean="0">
-                <a:solidFill>
-                  <a:prstClr val="white"/>
-                </a:solidFill>
-                <a:latin typeface="Calibri"/>
-              </a:rPr>
-              <a:t>R. Yamamoto, Kyoto University</a:t>
-            </a:r>
-            <a:endParaRPr lang="en-US" dirty="0">
-              <a:solidFill>
-                <a:prstClr val="white"/>
-              </a:solidFill>
-              <a:latin typeface="Calibri"/>
-            </a:endParaRPr>
-          </a:p>
-        </p:txBody>
-      </p:sp>
-      <p:graphicFrame>
-        <p:nvGraphicFramePr>
-          <p:cNvPr id="20" name="オブジェクト 19"/>
-          <p:cNvGraphicFramePr>
-            <a:graphicFrameLocks noChangeAspect="1"/>
-          </p:cNvGraphicFramePr>
-          <p:nvPr>
-            <p:extLst>
-              <p:ext uri="{D42A27DB-BD31-4B8C-83A1-F6EECF244321}">
-                <p14:modId xmlns:p14="http://schemas.microsoft.com/office/powerpoint/2010/main" val="1176546261"/>
-              </p:ext>
-            </p:extLst>
-          </p:nvPr>
-        </p:nvGraphicFramePr>
-        <p:xfrm>
-          <a:off x="1055440" y="1196752"/>
-          <a:ext cx="11239500" cy="1047750"/>
-        </p:xfrm>
-        <a:graphic>
-          <a:graphicData uri="http://schemas.openxmlformats.org/presentationml/2006/ole">
-            <mc:AlternateContent xmlns:mc="http://schemas.openxmlformats.org/markup-compatibility/2006">
-              <mc:Choice xmlns:v="urn:schemas-microsoft-com:vml" Requires="v">
-                <p:oleObj spid="_x0000_s18656" name="文書" r:id="rId5" imgW="4495800" imgH="419100" progId="Word.Document.12">
+                <p:oleObj spid="_x0000_s17637" name="文書" r:id="rId5" imgW="4495800" imgH="419100" progId="Word.Document.12">
                   <p:embed/>
                 </p:oleObj>
               </mc:Choice>
@@ -17279,7 +16860,7 @@
           <p:nvPr>
             <p:extLst>
               <p:ext uri="{D42A27DB-BD31-4B8C-83A1-F6EECF244321}">
-                <p14:modId xmlns:p14="http://schemas.microsoft.com/office/powerpoint/2010/main" val="3834024923"/>
+                <p14:modId xmlns:p14="http://schemas.microsoft.com/office/powerpoint/2010/main" val="3500895315"/>
               </p:ext>
             </p:extLst>
           </p:nvPr>
@@ -17292,12 +16873,12 @@
           <a:graphicData uri="http://schemas.openxmlformats.org/presentationml/2006/ole">
             <mc:AlternateContent xmlns:mc="http://schemas.openxmlformats.org/markup-compatibility/2006">
               <mc:Choice xmlns:v="urn:schemas-microsoft-com:vml" Requires="v">
-                <p:oleObj spid="_x0000_s18657" name="文書" r:id="rId8" imgW="4495800" imgH="215900" progId="Word.Document.12">
+                <p:oleObj spid="_x0000_s17638" name="文書" r:id="rId9" imgW="4495800" imgH="215900" progId="Word.Document.12">
                   <p:embed/>
                 </p:oleObj>
               </mc:Choice>
               <mc:Fallback>
-                <p:oleObj name="文書" r:id="rId8" imgW="4495800" imgH="215900" progId="Word.Document.12">
+                <p:oleObj name="文書" r:id="rId9" imgW="4495800" imgH="215900" progId="Word.Document.12">
                   <p:embed/>
                   <p:pic>
                     <p:nvPicPr>
@@ -17306,7 +16887,426 @@
                       <p:nvPr/>
                     </p:nvPicPr>
                     <p:blipFill>
-                      <a:blip r:embed="rId9"/>
+                      <a:blip r:embed="rId10"/>
+                      <a:stretch>
+                        <a:fillRect/>
+                      </a:stretch>
+                    </p:blipFill>
+                    <p:spPr>
+                      <a:xfrm>
+                        <a:off x="191344" y="1196752"/>
+                        <a:ext cx="11239500" cy="539750"/>
+                      </a:xfrm>
+                      <a:prstGeom prst="rect">
+                        <a:avLst/>
+                      </a:prstGeom>
+                    </p:spPr>
+                  </p:pic>
+                </p:oleObj>
+              </mc:Fallback>
+            </mc:AlternateContent>
+          </a:graphicData>
+        </a:graphic>
+      </p:graphicFrame>
+      <p:pic>
+        <p:nvPicPr>
+          <p:cNvPr id="30" name="図 29" descr="general.png"/>
+          <p:cNvPicPr>
+            <a:picLocks noChangeAspect="1"/>
+          </p:cNvPicPr>
+          <p:nvPr/>
+        </p:nvPicPr>
+        <p:blipFill>
+          <a:blip r:embed="rId11">
+            <a:extLst>
+              <a:ext uri="{28A0092B-C50C-407E-A947-70E740481C1C}">
+                <a14:useLocalDpi xmlns:a14="http://schemas.microsoft.com/office/drawing/2010/main" val="0"/>
+              </a:ext>
+            </a:extLst>
+          </a:blip>
+          <a:stretch>
+            <a:fillRect/>
+          </a:stretch>
+        </p:blipFill>
+        <p:spPr>
+          <a:xfrm>
+            <a:off x="6312024" y="1699266"/>
+            <a:ext cx="5256584" cy="4790434"/>
+          </a:xfrm>
+          <a:prstGeom prst="rect">
+            <a:avLst/>
+          </a:prstGeom>
+        </p:spPr>
+      </p:pic>
+      <p:sp>
+        <p:nvSpPr>
+          <p:cNvPr id="32" name="テキスト ボックス 31"/>
+          <p:cNvSpPr txBox="1"/>
+          <p:nvPr/>
+        </p:nvSpPr>
+        <p:spPr>
+          <a:xfrm>
+            <a:off x="2280199" y="5157192"/>
+            <a:ext cx="2085627" cy="461665"/>
+          </a:xfrm>
+          <a:prstGeom prst="rect">
+            <a:avLst/>
+          </a:prstGeom>
+          <a:noFill/>
+        </p:spPr>
+        <p:txBody>
+          <a:bodyPr wrap="none" rtlCol="0">
+            <a:spAutoFit/>
+          </a:bodyPr>
+          <a:lstStyle/>
+          <a:p>
+            <a:r>
+              <a:rPr kumimoji="1" lang="en-US" altLang="ja-JP" sz="2400" dirty="0" smtClean="0"/>
+              <a:t>Example of </a:t>
+            </a:r>
+            <a:r>
+              <a:rPr kumimoji="1" lang="en-US" altLang="ja-JP" sz="2400" i="1" dirty="0" smtClean="0"/>
+              <a:t>X</a:t>
+            </a:r>
+            <a:endParaRPr kumimoji="1" lang="ja-JP" altLang="en-US" sz="2400" i="1" dirty="0"/>
+          </a:p>
+        </p:txBody>
+      </p:sp>
+      <p:sp>
+        <p:nvSpPr>
+          <p:cNvPr id="33" name="テキスト ボックス 32"/>
+          <p:cNvSpPr txBox="1"/>
+          <p:nvPr/>
+        </p:nvSpPr>
+        <p:spPr>
+          <a:xfrm>
+            <a:off x="8904312" y="1916832"/>
+            <a:ext cx="2373967" cy="461665"/>
+          </a:xfrm>
+          <a:prstGeom prst="rect">
+            <a:avLst/>
+          </a:prstGeom>
+          <a:noFill/>
+        </p:spPr>
+        <p:txBody>
+          <a:bodyPr wrap="none" rtlCol="0">
+            <a:spAutoFit/>
+          </a:bodyPr>
+          <a:lstStyle/>
+          <a:p>
+            <a:r>
+              <a:rPr kumimoji="1" lang="en-US" altLang="ja-JP" sz="2400" dirty="0" smtClean="0"/>
+              <a:t>Example of </a:t>
+            </a:r>
+            <a:r>
+              <a:rPr kumimoji="1" lang="en-US" altLang="ja-JP" sz="2400" i="1" dirty="0" smtClean="0"/>
+              <a:t>P</a:t>
+            </a:r>
+            <a:r>
+              <a:rPr kumimoji="1" lang="en-US" altLang="ja-JP" sz="2400" dirty="0" smtClean="0"/>
+              <a:t>(</a:t>
+            </a:r>
+            <a:r>
+              <a:rPr kumimoji="1" lang="en-US" altLang="ja-JP" sz="2400" i="1" dirty="0" smtClean="0"/>
+              <a:t>x</a:t>
+            </a:r>
+            <a:r>
+              <a:rPr kumimoji="1" lang="en-US" altLang="ja-JP" sz="2400" dirty="0" smtClean="0"/>
+              <a:t>)</a:t>
+            </a:r>
+            <a:endParaRPr kumimoji="1" lang="ja-JP" altLang="en-US" sz="2400" dirty="0"/>
+          </a:p>
+        </p:txBody>
+      </p:sp>
+    </p:spTree>
+    <p:extLst>
+      <p:ext uri="{BB962C8B-B14F-4D97-AF65-F5344CB8AC3E}">
+        <p14:creationId xmlns:p14="http://schemas.microsoft.com/office/powerpoint/2010/main" val="2557108801"/>
+      </p:ext>
+    </p:extLst>
+  </p:cSld>
+  <p:clrMapOvr>
+    <a:masterClrMapping/>
+  </p:clrMapOvr>
+  <p:timing>
+    <p:tnLst>
+      <p:par>
+        <p:cTn id="1" dur="indefinite" restart="never" nodeType="tmRoot"/>
+      </p:par>
+    </p:tnLst>
+  </p:timing>
+</p:sld>
+</file>
+
+<file path=ppt/slides/slide3.xml><?xml version="1.0" encoding="utf-8"?>
+<p:sld xmlns:a="http://schemas.openxmlformats.org/drawingml/2006/main" xmlns:r="http://schemas.openxmlformats.org/officeDocument/2006/relationships" xmlns:p="http://schemas.openxmlformats.org/presentationml/2006/main">
+  <p:cSld>
+    <p:spTree>
+      <p:nvGrpSpPr>
+        <p:cNvPr id="1" name=""/>
+        <p:cNvGrpSpPr/>
+        <p:nvPr/>
+      </p:nvGrpSpPr>
+      <p:grpSpPr>
+        <a:xfrm>
+          <a:off x="0" y="0"/>
+          <a:ext cx="0" cy="0"/>
+          <a:chOff x="0" y="0"/>
+          <a:chExt cx="0" cy="0"/>
+        </a:xfrm>
+      </p:grpSpPr>
+      <p:pic>
+        <p:nvPicPr>
+          <p:cNvPr id="19" name="図 18" descr="general.png"/>
+          <p:cNvPicPr>
+            <a:picLocks noChangeAspect="1"/>
+          </p:cNvPicPr>
+          <p:nvPr/>
+        </p:nvPicPr>
+        <p:blipFill>
+          <a:blip r:embed="rId4">
+            <a:extLst>
+              <a:ext uri="{28A0092B-C50C-407E-A947-70E740481C1C}">
+                <a14:useLocalDpi xmlns:a14="http://schemas.microsoft.com/office/drawing/2010/main" val="0"/>
+              </a:ext>
+            </a:extLst>
+          </a:blip>
+          <a:stretch>
+            <a:fillRect/>
+          </a:stretch>
+        </p:blipFill>
+        <p:spPr>
+          <a:xfrm>
+            <a:off x="6312024" y="1699266"/>
+            <a:ext cx="5256584" cy="4790434"/>
+          </a:xfrm>
+          <a:prstGeom prst="rect">
+            <a:avLst/>
+          </a:prstGeom>
+        </p:spPr>
+      </p:pic>
+      <p:sp>
+        <p:nvSpPr>
+          <p:cNvPr id="3" name="タイトル 2"/>
+          <p:cNvSpPr>
+            <a:spLocks noGrp="1"/>
+          </p:cNvSpPr>
+          <p:nvPr>
+            <p:ph type="title"/>
+          </p:nvPr>
+        </p:nvSpPr>
+        <p:spPr/>
+        <p:txBody>
+          <a:bodyPr/>
+          <a:lstStyle/>
+          <a:p>
+            <a:r>
+              <a:rPr lang="en-US" altLang="ja-JP" sz="4400" dirty="0"/>
+              <a:t>Stochastic variable and distribution functions</a:t>
+            </a:r>
+            <a:endParaRPr lang="ja-JP" altLang="en-US" sz="4400" dirty="0"/>
+          </a:p>
+        </p:txBody>
+      </p:sp>
+      <p:sp>
+        <p:nvSpPr>
+          <p:cNvPr id="5" name="スライド番号プレースホルダー 4"/>
+          <p:cNvSpPr>
+            <a:spLocks noGrp="1"/>
+          </p:cNvSpPr>
+          <p:nvPr>
+            <p:ph type="sldNum" sz="quarter" idx="12"/>
+          </p:nvPr>
+        </p:nvSpPr>
+        <p:spPr/>
+        <p:txBody>
+          <a:bodyPr/>
+          <a:lstStyle/>
+          <a:p>
+            <a:pPr>
+              <a:defRPr/>
+            </a:pPr>
+            <a:fld id="{5BC7FEBF-A170-470C-A369-F0D066FB58E5}" type="slidenum">
+              <a:rPr lang="en-US">
+                <a:solidFill>
+                  <a:prstClr val="white"/>
+                </a:solidFill>
+                <a:latin typeface="Calibri"/>
+              </a:rPr>
+              <a:pPr>
+                <a:defRPr/>
+              </a:pPr>
+              <a:t>3</a:t>
+            </a:fld>
+            <a:endParaRPr lang="en-US">
+              <a:solidFill>
+                <a:prstClr val="white"/>
+              </a:solidFill>
+              <a:latin typeface="Calibri"/>
+            </a:endParaRPr>
+          </a:p>
+        </p:txBody>
+      </p:sp>
+      <p:sp>
+        <p:nvSpPr>
+          <p:cNvPr id="6" name="フッター プレースホルダー 5"/>
+          <p:cNvSpPr>
+            <a:spLocks noGrp="1"/>
+          </p:cNvSpPr>
+          <p:nvPr>
+            <p:ph type="ftr" sz="quarter" idx="11"/>
+          </p:nvPr>
+        </p:nvSpPr>
+        <p:spPr/>
+        <p:txBody>
+          <a:bodyPr/>
+          <a:lstStyle/>
+          <a:p>
+            <a:pPr algn="r">
+              <a:defRPr/>
+            </a:pPr>
+            <a:r>
+              <a:rPr lang="en-US" dirty="0" smtClean="0">
+                <a:solidFill>
+                  <a:prstClr val="white"/>
+                </a:solidFill>
+                <a:latin typeface="Calibri"/>
+              </a:rPr>
+              <a:t>R. Yamamoto, Kyoto University</a:t>
+            </a:r>
+            <a:endParaRPr lang="en-US" dirty="0">
+              <a:solidFill>
+                <a:prstClr val="white"/>
+              </a:solidFill>
+              <a:latin typeface="Calibri"/>
+            </a:endParaRPr>
+          </a:p>
+        </p:txBody>
+      </p:sp>
+      <p:graphicFrame>
+        <p:nvGraphicFramePr>
+          <p:cNvPr id="20" name="オブジェクト 19"/>
+          <p:cNvGraphicFramePr>
+            <a:graphicFrameLocks noChangeAspect="1"/>
+          </p:cNvGraphicFramePr>
+          <p:nvPr>
+            <p:extLst>
+              <p:ext uri="{D42A27DB-BD31-4B8C-83A1-F6EECF244321}">
+                <p14:modId xmlns:p14="http://schemas.microsoft.com/office/powerpoint/2010/main" val="1176546261"/>
+              </p:ext>
+            </p:extLst>
+          </p:nvPr>
+        </p:nvGraphicFramePr>
+        <p:xfrm>
+          <a:off x="1055440" y="1196752"/>
+          <a:ext cx="11239500" cy="1047750"/>
+        </p:xfrm>
+        <a:graphic>
+          <a:graphicData uri="http://schemas.openxmlformats.org/presentationml/2006/ole">
+            <mc:AlternateContent xmlns:mc="http://schemas.openxmlformats.org/markup-compatibility/2006">
+              <mc:Choice xmlns:v="urn:schemas-microsoft-com:vml" Requires="v">
+                <p:oleObj spid="_x0000_s18659" name="文書" r:id="rId6" imgW="4495800" imgH="419100" progId="Word.Document.12">
+                  <p:embed/>
+                </p:oleObj>
+              </mc:Choice>
+              <mc:Fallback>
+                <p:oleObj name="文書" r:id="rId6" imgW="4495800" imgH="419100" progId="Word.Document.12">
+                  <p:embed/>
+                  <p:pic>
+                    <p:nvPicPr>
+                      <p:cNvPr id="0" name=""/>
+                      <p:cNvPicPr/>
+                      <p:nvPr/>
+                    </p:nvPicPr>
+                    <p:blipFill>
+                      <a:blip r:embed="rId7"/>
+                      <a:stretch>
+                        <a:fillRect/>
+                      </a:stretch>
+                    </p:blipFill>
+                    <p:spPr>
+                      <a:xfrm>
+                        <a:off x="1055440" y="1196752"/>
+                        <a:ext cx="11239500" cy="1047750"/>
+                      </a:xfrm>
+                      <a:prstGeom prst="rect">
+                        <a:avLst/>
+                      </a:prstGeom>
+                    </p:spPr>
+                  </p:pic>
+                </p:oleObj>
+              </mc:Fallback>
+            </mc:AlternateContent>
+          </a:graphicData>
+        </a:graphic>
+      </p:graphicFrame>
+      <p:pic>
+        <p:nvPicPr>
+          <p:cNvPr id="7" name="図 6" descr="stochastic.png"/>
+          <p:cNvPicPr>
+            <a:picLocks noChangeAspect="1"/>
+          </p:cNvPicPr>
+          <p:nvPr/>
+        </p:nvPicPr>
+        <p:blipFill>
+          <a:blip r:embed="rId8">
+            <a:extLst>
+              <a:ext uri="{28A0092B-C50C-407E-A947-70E740481C1C}">
+                <a14:useLocalDpi xmlns:a14="http://schemas.microsoft.com/office/drawing/2010/main" val="0"/>
+              </a:ext>
+            </a:extLst>
+          </a:blip>
+          <a:stretch>
+            <a:fillRect/>
+          </a:stretch>
+        </p:blipFill>
+        <p:spPr>
+          <a:xfrm>
+            <a:off x="263352" y="2671399"/>
+            <a:ext cx="5689255" cy="3781937"/>
+          </a:xfrm>
+          <a:prstGeom prst="rect">
+            <a:avLst/>
+          </a:prstGeom>
+        </p:spPr>
+      </p:pic>
+      <p:graphicFrame>
+        <p:nvGraphicFramePr>
+          <p:cNvPr id="10" name="オブジェクト 9"/>
+          <p:cNvGraphicFramePr>
+            <a:graphicFrameLocks noChangeAspect="1"/>
+          </p:cNvGraphicFramePr>
+          <p:nvPr>
+            <p:extLst>
+              <p:ext uri="{D42A27DB-BD31-4B8C-83A1-F6EECF244321}">
+                <p14:modId xmlns:p14="http://schemas.microsoft.com/office/powerpoint/2010/main" val="3834024923"/>
+              </p:ext>
+            </p:extLst>
+          </p:nvPr>
+        </p:nvGraphicFramePr>
+        <p:xfrm>
+          <a:off x="191344" y="1196752"/>
+          <a:ext cx="11239500" cy="539750"/>
+        </p:xfrm>
+        <a:graphic>
+          <a:graphicData uri="http://schemas.openxmlformats.org/presentationml/2006/ole">
+            <mc:AlternateContent xmlns:mc="http://schemas.openxmlformats.org/markup-compatibility/2006">
+              <mc:Choice xmlns:v="urn:schemas-microsoft-com:vml" Requires="v">
+                <p:oleObj spid="_x0000_s18660" name="文書" r:id="rId10" imgW="4495800" imgH="215900" progId="Word.Document.12">
+                  <p:embed/>
+                </p:oleObj>
+              </mc:Choice>
+              <mc:Fallback>
+                <p:oleObj name="文書" r:id="rId10" imgW="4495800" imgH="215900" progId="Word.Document.12">
+                  <p:embed/>
+                  <p:pic>
+                    <p:nvPicPr>
+                      <p:cNvPr id="0" name=""/>
+                      <p:cNvPicPr/>
+                      <p:nvPr/>
+                    </p:nvPicPr>
+                    <p:blipFill>
+                      <a:blip r:embed="rId11"/>
                       <a:stretch>
                         <a:fillRect/>
                       </a:stretch>
@@ -17713,7 +17713,7 @@
   <p:timing>
     <p:tnLst>
       <p:par>
-        <p:cTn xmlns:p14="http://schemas.microsoft.com/office/powerpoint/2010/main" id="1" dur="indefinite" restart="never" nodeType="tmRoot"/>
+        <p:cTn id="1" dur="indefinite" restart="never" nodeType="tmRoot"/>
       </p:par>
     </p:tnLst>
   </p:timing>
@@ -17837,12 +17837,12 @@
           <a:graphicData uri="http://schemas.openxmlformats.org/presentationml/2006/ole">
             <mc:AlternateContent xmlns:mc="http://schemas.openxmlformats.org/markup-compatibility/2006">
               <mc:Choice xmlns:v="urn:schemas-microsoft-com:vml" Requires="v">
-                <p:oleObj spid="_x0000_s24688" name="文書" r:id="rId4" imgW="4495800" imgH="2019300" progId="Word.Document.12">
+                <p:oleObj spid="_x0000_s24690" name="文書" r:id="rId5" imgW="4495800" imgH="2019300" progId="Word.Document.12">
                   <p:embed/>
                 </p:oleObj>
               </mc:Choice>
               <mc:Fallback>
-                <p:oleObj name="文書" r:id="rId4" imgW="4495800" imgH="2019300" progId="Word.Document.12">
+                <p:oleObj name="文書" r:id="rId5" imgW="4495800" imgH="2019300" progId="Word.Document.12">
                   <p:embed/>
                   <p:pic>
                     <p:nvPicPr>
@@ -17851,7 +17851,7 @@
                       <p:nvPr/>
                     </p:nvPicPr>
                     <p:blipFill>
-                      <a:blip r:embed="rId5"/>
+                      <a:blip r:embed="rId6"/>
                       <a:stretch>
                         <a:fillRect/>
                       </a:stretch>
@@ -17885,7 +17885,7 @@
   <p:timing>
     <p:tnLst>
       <p:par>
-        <p:cTn xmlns:p14="http://schemas.microsoft.com/office/powerpoint/2010/main" id="1" dur="indefinite" restart="never" nodeType="tmRoot"/>
+        <p:cTn id="1" dur="indefinite" restart="never" nodeType="tmRoot"/>
       </p:par>
     </p:tnLst>
   </p:timing>
@@ -18009,12 +18009,12 @@
           <a:graphicData uri="http://schemas.openxmlformats.org/presentationml/2006/ole">
             <mc:AlternateContent xmlns:mc="http://schemas.openxmlformats.org/markup-compatibility/2006">
               <mc:Choice xmlns:v="urn:schemas-microsoft-com:vml" Requires="v">
-                <p:oleObj spid="_x0000_s28783" name="文書" r:id="rId4" imgW="4495800" imgH="2133600" progId="Word.Document.12">
+                <p:oleObj spid="_x0000_s28785" name="文書" r:id="rId5" imgW="4495800" imgH="2133600" progId="Word.Document.12">
                   <p:embed/>
                 </p:oleObj>
               </mc:Choice>
               <mc:Fallback>
-                <p:oleObj name="文書" r:id="rId4" imgW="4495800" imgH="2133600" progId="Word.Document.12">
+                <p:oleObj name="文書" r:id="rId5" imgW="4495800" imgH="2133600" progId="Word.Document.12">
                   <p:embed/>
                   <p:pic>
                     <p:nvPicPr>
@@ -18023,7 +18023,7 @@
                       <p:nvPr/>
                     </p:nvPicPr>
                     <p:blipFill>
-                      <a:blip r:embed="rId5"/>
+                      <a:blip r:embed="rId6"/>
                       <a:stretch>
                         <a:fillRect/>
                       </a:stretch>
@@ -18057,7 +18057,7 @@
   <p:timing>
     <p:tnLst>
       <p:par>
-        <p:cTn xmlns:p14="http://schemas.microsoft.com/office/powerpoint/2010/main" id="1" dur="indefinite" restart="never" nodeType="tmRoot"/>
+        <p:cTn id="1" dur="indefinite" restart="never" nodeType="tmRoot"/>
       </p:par>
     </p:tnLst>
   </p:timing>
@@ -18181,12 +18181,12 @@
           <a:graphicData uri="http://schemas.openxmlformats.org/presentationml/2006/ole">
             <mc:AlternateContent xmlns:mc="http://schemas.openxmlformats.org/markup-compatibility/2006">
               <mc:Choice xmlns:v="urn:schemas-microsoft-com:vml" Requires="v">
-                <p:oleObj spid="_x0000_s30813" name="文書" r:id="rId4" imgW="4495800" imgH="1917700" progId="Word.Document.12">
+                <p:oleObj spid="_x0000_s30815" name="文書" r:id="rId5" imgW="4495800" imgH="1917700" progId="Word.Document.12">
                   <p:embed/>
                 </p:oleObj>
               </mc:Choice>
               <mc:Fallback>
-                <p:oleObj name="文書" r:id="rId4" imgW="4495800" imgH="1917700" progId="Word.Document.12">
+                <p:oleObj name="文書" r:id="rId5" imgW="4495800" imgH="1917700" progId="Word.Document.12">
                   <p:embed/>
                   <p:pic>
                     <p:nvPicPr>
@@ -18195,7 +18195,7 @@
                       <p:nvPr/>
                     </p:nvPicPr>
                     <p:blipFill>
-                      <a:blip r:embed="rId5"/>
+                      <a:blip r:embed="rId6"/>
                       <a:stretch>
                         <a:fillRect/>
                       </a:stretch>
@@ -18229,7 +18229,7 @@
   <p:timing>
     <p:tnLst>
       <p:par>
-        <p:cTn xmlns:p14="http://schemas.microsoft.com/office/powerpoint/2010/main" id="1" dur="indefinite" restart="never" nodeType="tmRoot"/>
+        <p:cTn id="1" dur="indefinite" restart="never" nodeType="tmRoot"/>
       </p:par>
     </p:tnLst>
   </p:timing>
@@ -18353,12 +18353,12 @@
           <a:graphicData uri="http://schemas.openxmlformats.org/presentationml/2006/ole">
             <mc:AlternateContent xmlns:mc="http://schemas.openxmlformats.org/markup-compatibility/2006">
               <mc:Choice xmlns:v="urn:schemas-microsoft-com:vml" Requires="v">
-                <p:oleObj spid="_x0000_s31839" name="文書" r:id="rId4" imgW="4495800" imgH="2222500" progId="Word.Document.12">
+                <p:oleObj spid="_x0000_s31841" name="文書" r:id="rId5" imgW="4495800" imgH="2222500" progId="Word.Document.12">
                   <p:embed/>
                 </p:oleObj>
               </mc:Choice>
               <mc:Fallback>
-                <p:oleObj name="文書" r:id="rId4" imgW="4495800" imgH="2222500" progId="Word.Document.12">
+                <p:oleObj name="文書" r:id="rId5" imgW="4495800" imgH="2222500" progId="Word.Document.12">
                   <p:embed/>
                   <p:pic>
                     <p:nvPicPr>
@@ -18367,7 +18367,7 @@
                       <p:nvPr/>
                     </p:nvPicPr>
                     <p:blipFill>
-                      <a:blip r:embed="rId5"/>
+                      <a:blip r:embed="rId6"/>
                       <a:stretch>
                         <a:fillRect/>
                       </a:stretch>
@@ -18401,7 +18401,7 @@
   <p:timing>
     <p:tnLst>
       <p:par>
-        <p:cTn xmlns:p14="http://schemas.microsoft.com/office/powerpoint/2010/main" id="1" dur="indefinite" restart="never" nodeType="tmRoot"/>
+        <p:cTn id="1" dur="indefinite" restart="never" nodeType="tmRoot"/>
       </p:par>
     </p:tnLst>
   </p:timing>
@@ -18525,12 +18525,12 @@
           <a:graphicData uri="http://schemas.openxmlformats.org/presentationml/2006/ole">
             <mc:AlternateContent xmlns:mc="http://schemas.openxmlformats.org/markup-compatibility/2006">
               <mc:Choice xmlns:v="urn:schemas-microsoft-com:vml" Requires="v">
-                <p:oleObj spid="_x0000_s19656" name="文書" r:id="rId4" imgW="4495800" imgH="1638300" progId="Word.Document.12">
+                <p:oleObj spid="_x0000_s19658" name="文書" r:id="rId5" imgW="4495800" imgH="1638300" progId="Word.Document.12">
                   <p:embed/>
                 </p:oleObj>
               </mc:Choice>
               <mc:Fallback>
-                <p:oleObj name="文書" r:id="rId4" imgW="4495800" imgH="1638300" progId="Word.Document.12">
+                <p:oleObj name="文書" r:id="rId5" imgW="4495800" imgH="1638300" progId="Word.Document.12">
                   <p:embed/>
                   <p:pic>
                     <p:nvPicPr>
@@ -18539,7 +18539,7 @@
                       <p:nvPr/>
                     </p:nvPicPr>
                     <p:blipFill>
-                      <a:blip r:embed="rId5"/>
+                      <a:blip r:embed="rId6"/>
                       <a:stretch>
                         <a:fillRect/>
                       </a:stretch>
@@ -18573,7 +18573,7 @@
   <p:timing>
     <p:tnLst>
       <p:par>
-        <p:cTn xmlns:p14="http://schemas.microsoft.com/office/powerpoint/2010/main" id="1" dur="indefinite" restart="never" nodeType="tmRoot"/>
+        <p:cTn id="1" dur="indefinite" restart="never" nodeType="tmRoot"/>
       </p:par>
     </p:tnLst>
   </p:timing>
@@ -18697,12 +18697,12 @@
           <a:graphicData uri="http://schemas.openxmlformats.org/presentationml/2006/ole">
             <mc:AlternateContent xmlns:mc="http://schemas.openxmlformats.org/markup-compatibility/2006">
               <mc:Choice xmlns:v="urn:schemas-microsoft-com:vml" Requires="v">
-                <p:oleObj spid="_x0000_s38932" name="文書" r:id="rId4" imgW="4495800" imgH="1638300" progId="Word.Document.12">
+                <p:oleObj spid="_x0000_s38935" name="文書" r:id="rId5" imgW="4495800" imgH="1638300" progId="Word.Document.12">
                   <p:embed/>
                 </p:oleObj>
               </mc:Choice>
               <mc:Fallback>
-                <p:oleObj name="文書" r:id="rId4" imgW="4495800" imgH="1638300" progId="Word.Document.12">
+                <p:oleObj name="文書" r:id="rId5" imgW="4495800" imgH="1638300" progId="Word.Document.12">
                   <p:embed/>
                   <p:pic>
                     <p:nvPicPr>
@@ -18711,7 +18711,7 @@
                       <p:nvPr/>
                     </p:nvPicPr>
                     <p:blipFill>
-                      <a:blip r:embed="rId5"/>
+                      <a:blip r:embed="rId6"/>
                       <a:stretch>
                         <a:fillRect/>
                       </a:stretch>
@@ -18741,7 +18741,7 @@
           <p:nvPr/>
         </p:nvPicPr>
         <p:blipFill>
-          <a:blip r:embed="rId6">
+          <a:blip r:embed="rId7">
             <a:extLst>
               <a:ext uri="{28A0092B-C50C-407E-A947-70E740481C1C}">
                 <a14:useLocalDpi xmlns:a14="http://schemas.microsoft.com/office/drawing/2010/main" val="0"/>
@@ -18860,12 +18860,12 @@
           <a:graphicData uri="http://schemas.openxmlformats.org/presentationml/2006/ole">
             <mc:AlternateContent xmlns:mc="http://schemas.openxmlformats.org/markup-compatibility/2006">
               <mc:Choice xmlns:v="urn:schemas-microsoft-com:vml" Requires="v">
-                <p:oleObj spid="_x0000_s38933" name="Equation" r:id="rId7" imgW="228600" imgH="165100" progId="Equation.DSMT4">
+                <p:oleObj spid="_x0000_s38936" name="Equation" r:id="rId8" imgW="228600" imgH="165100" progId="Equation.DSMT4">
                   <p:embed/>
                 </p:oleObj>
               </mc:Choice>
               <mc:Fallback>
-                <p:oleObj name="Equation" r:id="rId7" imgW="228600" imgH="165100" progId="Equation.DSMT4">
+                <p:oleObj name="Equation" r:id="rId8" imgW="228600" imgH="165100" progId="Equation.DSMT4">
                   <p:embed/>
                   <p:pic>
                     <p:nvPicPr>
@@ -18874,7 +18874,7 @@
                       <p:nvPr/>
                     </p:nvPicPr>
                     <p:blipFill>
-                      <a:blip r:embed="rId8"/>
+                      <a:blip r:embed="rId9"/>
                       <a:stretch>
                         <a:fillRect/>
                       </a:stretch>
@@ -18908,7 +18908,7 @@
   <p:timing>
     <p:tnLst>
       <p:par>
-        <p:cTn xmlns:p14="http://schemas.microsoft.com/office/powerpoint/2010/main" id="1" dur="indefinite" restart="never" nodeType="tmRoot"/>
+        <p:cTn id="1" dur="indefinite" restart="never" nodeType="tmRoot"/>
       </p:par>
     </p:tnLst>
   </p:timing>
@@ -19197,7 +19197,7 @@
   <a:extraClrSchemeLst/>
   <a:extLst>
     <a:ext uri="{05A4C25C-085E-4340-85A3-A5531E510DB2}">
-      <thm15:themeFamily xmlns:thm15="http://schemas.microsoft.com/office/thememl/2012/main" xmlns="" name="プレゼンテーション7" id="{423002E4-7FD9-6640-9BE1-02790D05BA1E}" vid="{82099355-738F-7B4C-8B1D-DB529BAB30B7}"/>
+      <thm15:themeFamily xmlns:thm15="http://schemas.microsoft.com/office/thememl/2012/main" name="プレゼンテーション7" id="{423002E4-7FD9-6640-9BE1-02790D05BA1E}" vid="{82099355-738F-7B4C-8B1D-DB529BAB30B7}"/>
     </a:ext>
   </a:extLst>
 </a:theme>
@@ -19485,7 +19485,7 @@
   <a:extraClrSchemeLst/>
   <a:extLst>
     <a:ext uri="{05A4C25C-085E-4340-85A3-A5531E510DB2}">
-      <thm15:themeFamily xmlns:thm15="http://schemas.microsoft.com/office/thememl/2012/main" xmlns="" name="プレゼンテーション7" id="{423002E4-7FD9-6640-9BE1-02790D05BA1E}" vid="{82099355-738F-7B4C-8B1D-DB529BAB30B7}"/>
+      <thm15:themeFamily xmlns:thm15="http://schemas.microsoft.com/office/thememl/2012/main" name="プレゼンテーション7" id="{423002E4-7FD9-6640-9BE1-02790D05BA1E}" vid="{82099355-738F-7B4C-8B1D-DB529BAB30B7}"/>
     </a:ext>
   </a:extLst>
 </a:theme>

--- a/02/009x_21.pptx
+++ b/02/009x_21.pptx
@@ -158,7 +158,7 @@
   </p:defaultTextStyle>
   <p:extLst>
     <p:ext uri="{EFAFB233-063F-42B5-8137-9DF3F51BA10A}">
-      <p15:sldGuideLst xmlns:p15="http://schemas.microsoft.com/office/powerpoint/2012/main">
+      <p15:sldGuideLst xmlns:p15="http://schemas.microsoft.com/office/powerpoint/2012/main" xmlns="">
         <p15:guide id="1" orient="horz" pos="2160" userDrawn="1">
           <p15:clr>
             <a:srgbClr val="A4A3A4"/>
@@ -257,7 +257,7 @@
           <a:p>
             <a:fld id="{0412B963-281D-0642-81B7-06A60C2985AD}" type="datetime1">
               <a:rPr kumimoji="1" lang="ja-JP" altLang="en-US" smtClean="0"/>
-              <a:t>2017/3/28</a:t>
+              <a:t>17/02/10</a:t>
             </a:fld>
             <a:endParaRPr kumimoji="1" lang="ja-JP" altLang="en-US"/>
           </a:p>
@@ -447,7 +447,7 @@
             </a:pPr>
             <a:fld id="{0EE9D497-FB4E-3041-93C1-90E0C07422CD}" type="datetime1">
               <a:rPr lang="ja-JP" altLang="en-US" smtClean="0"/>
-              <a:t>2017/3/28</a:t>
+              <a:t>17/02/10</a:t>
             </a:fld>
             <a:endParaRPr lang="en-US"/>
           </a:p>
@@ -4228,7 +4228,7 @@
             </a:pPr>
             <a:fld id="{A023B52E-C3FC-A848-B8A7-4DBA8B1017FE}" type="datetime1">
               <a:rPr lang="ja-JP" altLang="en-US" smtClean="0"/>
-              <a:t>2017/3/28</a:t>
+              <a:t>17/02/10</a:t>
             </a:fld>
             <a:endParaRPr lang="en-US"/>
           </a:p>
@@ -4485,7 +4485,7 @@
             </a:pPr>
             <a:fld id="{2DE75801-1A6B-394A-B005-5786EC074A9B}" type="datetime1">
               <a:rPr lang="ja-JP" altLang="en-US" smtClean="0"/>
-              <a:t>2017/3/28</a:t>
+              <a:t>17/02/10</a:t>
             </a:fld>
             <a:endParaRPr lang="en-US"/>
           </a:p>
@@ -4720,7 +4720,7 @@
             </a:pPr>
             <a:fld id="{073DB193-1D39-D94F-8E40-C5EC80DBC0CC}" type="datetime1">
               <a:rPr lang="ja-JP" altLang="en-US" smtClean="0"/>
-              <a:t>2017/3/28</a:t>
+              <a:t>17/02/10</a:t>
             </a:fld>
             <a:endParaRPr lang="en-US"/>
           </a:p>
@@ -5236,7 +5236,7 @@
               <a:pPr>
                 <a:defRPr/>
               </a:pPr>
-              <a:t>2017/3/28</a:t>
+              <a:t>17/02/10</a:t>
             </a:fld>
             <a:endParaRPr lang="en-US">
               <a:solidFill>
@@ -5810,7 +5810,7 @@
               <a:pPr>
                 <a:defRPr/>
               </a:pPr>
-              <a:t>2017/3/28</a:t>
+              <a:t>17/02/10</a:t>
             </a:fld>
             <a:endParaRPr lang="en-US">
               <a:solidFill>
@@ -5949,7 +5949,7 @@
   <p:timing>
     <p:tnLst>
       <p:par>
-        <p:cTn id="1" dur="indefinite" restart="never" nodeType="tmRoot"/>
+        <p:cTn xmlns:p14="http://schemas.microsoft.com/office/powerpoint/2010/main" id="1" dur="indefinite" restart="never" nodeType="tmRoot"/>
       </p:par>
     </p:tnLst>
   </p:timing>
@@ -6159,7 +6159,7 @@
               <a:pPr>
                 <a:defRPr/>
               </a:pPr>
-              <a:t>2017/3/28</a:t>
+              <a:t>17/02/10</a:t>
             </a:fld>
             <a:endParaRPr lang="en-US">
               <a:solidFill>
@@ -6867,7 +6867,7 @@
               <a:pPr>
                 <a:defRPr/>
               </a:pPr>
-              <a:t>2017/3/28</a:t>
+              <a:t>17/02/10</a:t>
             </a:fld>
             <a:endParaRPr lang="en-US">
               <a:solidFill>
@@ -7700,7 +7700,7 @@
               <a:pPr>
                 <a:defRPr/>
               </a:pPr>
-              <a:t>2017/3/28</a:t>
+              <a:t>17/02/10</a:t>
             </a:fld>
             <a:endParaRPr lang="en-US">
               <a:solidFill>
@@ -8177,7 +8177,7 @@
               <a:pPr>
                 <a:defRPr/>
               </a:pPr>
-              <a:t>2017/3/28</a:t>
+              <a:t>17/02/10</a:t>
             </a:fld>
             <a:endParaRPr lang="en-US">
               <a:solidFill>
@@ -8543,7 +8543,7 @@
               <a:pPr>
                 <a:defRPr/>
               </a:pPr>
-              <a:t>2017/3/28</a:t>
+              <a:t>17/02/10</a:t>
             </a:fld>
             <a:endParaRPr lang="en-US">
               <a:solidFill>
@@ -8928,7 +8928,7 @@
               <a:pPr>
                 <a:defRPr/>
               </a:pPr>
-              <a:t>2017/3/28</a:t>
+              <a:t>17/02/10</a:t>
             </a:fld>
             <a:endParaRPr lang="en-US">
               <a:solidFill>
@@ -9473,7 +9473,7 @@
             </a:pPr>
             <a:fld id="{7D58C5EB-780A-E642-8BB9-48AF6B9A0C93}" type="datetime1">
               <a:rPr lang="ja-JP" altLang="en-US" smtClean="0"/>
-              <a:t>2017/3/28</a:t>
+              <a:t>17/02/10</a:t>
             </a:fld>
             <a:endParaRPr lang="en-US"/>
           </a:p>
@@ -9582,7 +9582,7 @@
   <p:timing>
     <p:tnLst>
       <p:par>
-        <p:cTn id="1" dur="indefinite" restart="never" nodeType="tmRoot"/>
+        <p:cTn xmlns:p14="http://schemas.microsoft.com/office/powerpoint/2010/main" id="1" dur="indefinite" restart="never" nodeType="tmRoot"/>
       </p:par>
     </p:tnLst>
   </p:timing>
@@ -9806,7 +9806,7 @@
               <a:pPr>
                 <a:defRPr/>
               </a:pPr>
-              <a:t>2017/3/28</a:t>
+              <a:t>17/02/10</a:t>
             </a:fld>
             <a:endParaRPr lang="en-US">
               <a:solidFill>
@@ -10082,7 +10082,7 @@
               <a:pPr>
                 <a:defRPr/>
               </a:pPr>
-              <a:t>2017/3/28</a:t>
+              <a:t>17/02/10</a:t>
             </a:fld>
             <a:endParaRPr lang="en-US">
               <a:solidFill>
@@ -10368,7 +10368,7 @@
               <a:pPr>
                 <a:defRPr/>
               </a:pPr>
-              <a:t>2017/3/28</a:t>
+              <a:t>17/02/10</a:t>
             </a:fld>
             <a:endParaRPr lang="en-US">
               <a:solidFill>
@@ -10677,7 +10677,7 @@
             </a:pPr>
             <a:fld id="{EC559CBC-7087-6D41-8C71-6B6BCC6E0EE3}" type="datetime1">
               <a:rPr lang="ja-JP" altLang="en-US" smtClean="0"/>
-              <a:t>2017/3/28</a:t>
+              <a:t>17/02/10</a:t>
             </a:fld>
             <a:endParaRPr lang="en-US"/>
           </a:p>
@@ -11339,7 +11339,7 @@
             </a:pPr>
             <a:fld id="{342E31EE-E339-0841-B520-05F3A10B4FBF}" type="datetime1">
               <a:rPr lang="ja-JP" altLang="en-US" smtClean="0"/>
-              <a:t>2017/3/28</a:t>
+              <a:t>17/02/10</a:t>
             </a:fld>
             <a:endParaRPr lang="en-US"/>
           </a:p>
@@ -12131,7 +12131,7 @@
             </a:pPr>
             <a:fld id="{9C45F164-7935-224C-A922-3217B740A4E7}" type="datetime1">
               <a:rPr lang="ja-JP" altLang="en-US" smtClean="0"/>
-              <a:t>2017/3/28</a:t>
+              <a:t>17/02/10</a:t>
             </a:fld>
             <a:endParaRPr lang="en-US"/>
           </a:p>
@@ -12568,7 +12568,7 @@
             </a:pPr>
             <a:fld id="{84905C6B-2FEB-1741-BBF6-BD111E1D4EA0}" type="datetime1">
               <a:rPr lang="ja-JP" altLang="en-US" smtClean="0"/>
-              <a:t>2017/3/28</a:t>
+              <a:t>17/02/10</a:t>
             </a:fld>
             <a:endParaRPr lang="en-US"/>
           </a:p>
@@ -12899,7 +12899,7 @@
             </a:pPr>
             <a:fld id="{331FF03F-3229-1D47-9BC7-23D3C122EEFB}" type="datetime1">
               <a:rPr lang="ja-JP" altLang="en-US" smtClean="0"/>
-              <a:t>2017/3/28</a:t>
+              <a:t>17/02/10</a:t>
             </a:fld>
             <a:endParaRPr lang="en-US"/>
           </a:p>
@@ -13249,7 +13249,7 @@
             </a:pPr>
             <a:fld id="{9B242E05-CAC7-5E43-8B86-8A3E0256E9A3}" type="datetime1">
               <a:rPr lang="ja-JP" altLang="en-US" smtClean="0"/>
-              <a:t>2017/3/28</a:t>
+              <a:t>17/02/10</a:t>
             </a:fld>
             <a:endParaRPr lang="en-US"/>
           </a:p>
@@ -13532,7 +13532,7 @@
             </a:pPr>
             <a:fld id="{60626716-BD6C-D348-A5AA-41DF31DB35E1}" type="datetime1">
               <a:rPr lang="ja-JP" altLang="en-US" smtClean="0"/>
-              <a:t>2017/3/28</a:t>
+              <a:t>17/02/10</a:t>
             </a:fld>
             <a:endParaRPr lang="en-US"/>
           </a:p>
@@ -13823,7 +13823,7 @@
             </a:pPr>
             <a:fld id="{2062BAB6-2670-A84E-B27B-9C88D5D27877}" type="datetime1">
               <a:rPr lang="ja-JP" altLang="en-US" smtClean="0"/>
-              <a:t>2017/3/28</a:t>
+              <a:t>17/02/10</a:t>
             </a:fld>
             <a:endParaRPr lang="en-US"/>
           </a:p>
@@ -14560,7 +14560,7 @@
               <a:pPr>
                 <a:defRPr/>
               </a:pPr>
-              <a:t>2017/3/28</a:t>
+              <a:t>17/02/10</a:t>
             </a:fld>
             <a:endParaRPr lang="en-US">
               <a:solidFill>
@@ -15306,7 +15306,7 @@
   <p:timing>
     <p:tnLst>
       <p:par>
-        <p:cTn id="1" dur="indefinite" restart="never" nodeType="tmRoot"/>
+        <p:cTn xmlns:p14="http://schemas.microsoft.com/office/powerpoint/2010/main" id="1" dur="indefinite" restart="never" nodeType="tmRoot"/>
       </p:par>
     </p:tnLst>
   </p:timing>
@@ -15430,12 +15430,12 @@
           <a:graphicData uri="http://schemas.openxmlformats.org/presentationml/2006/ole">
             <mc:AlternateContent xmlns:mc="http://schemas.openxmlformats.org/markup-compatibility/2006">
               <mc:Choice xmlns:v="urn:schemas-microsoft-com:vml" Requires="v">
-                <p:oleObj spid="_x0000_s20596" name="文書" r:id="rId5" imgW="4495800" imgH="1955800" progId="Word.Document.12">
+                <p:oleObj spid="_x0000_s20592" name="文書" r:id="rId4" imgW="4495800" imgH="1955800" progId="Word.Document.12">
                   <p:embed/>
                 </p:oleObj>
               </mc:Choice>
               <mc:Fallback>
-                <p:oleObj name="文書" r:id="rId5" imgW="4495800" imgH="1955800" progId="Word.Document.12">
+                <p:oleObj name="文書" r:id="rId4" imgW="4495800" imgH="1955800" progId="Word.Document.12">
                   <p:embed/>
                   <p:pic>
                     <p:nvPicPr>
@@ -15444,7 +15444,7 @@
                       <p:nvPr/>
                     </p:nvPicPr>
                     <p:blipFill>
-                      <a:blip r:embed="rId6"/>
+                      <a:blip r:embed="rId5"/>
                       <a:stretch>
                         <a:fillRect/>
                       </a:stretch>
@@ -15478,7 +15478,7 @@
   <p:timing>
     <p:tnLst>
       <p:par>
-        <p:cTn id="1" dur="indefinite" restart="never" nodeType="tmRoot"/>
+        <p:cTn xmlns:p14="http://schemas.microsoft.com/office/powerpoint/2010/main" id="1" dur="indefinite" restart="never" nodeType="tmRoot"/>
       </p:par>
     </p:tnLst>
   </p:timing>
@@ -15602,12 +15602,12 @@
           <a:graphicData uri="http://schemas.openxmlformats.org/presentationml/2006/ole">
             <mc:AlternateContent xmlns:mc="http://schemas.openxmlformats.org/markup-compatibility/2006">
               <mc:Choice xmlns:v="urn:schemas-microsoft-com:vml" Requires="v">
-                <p:oleObj spid="_x0000_s1126" name="文書" r:id="rId5" imgW="4495800" imgH="1866900" progId="Word.Document.12">
+                <p:oleObj spid="_x0000_s1122" name="文書" r:id="rId4" imgW="4495800" imgH="1866900" progId="Word.Document.12">
                   <p:embed/>
                 </p:oleObj>
               </mc:Choice>
               <mc:Fallback>
-                <p:oleObj name="文書" r:id="rId5" imgW="4495800" imgH="1866900" progId="Word.Document.12">
+                <p:oleObj name="文書" r:id="rId4" imgW="4495800" imgH="1866900" progId="Word.Document.12">
                   <p:embed/>
                   <p:pic>
                     <p:nvPicPr>
@@ -15616,7 +15616,7 @@
                       <p:nvPr/>
                     </p:nvPicPr>
                     <p:blipFill>
-                      <a:blip r:embed="rId6"/>
+                      <a:blip r:embed="rId5"/>
                       <a:stretch>
                         <a:fillRect/>
                       </a:stretch>
@@ -15650,7 +15650,7 @@
   <p:timing>
     <p:tnLst>
       <p:par>
-        <p:cTn id="1" dur="indefinite" restart="never" nodeType="tmRoot"/>
+        <p:cTn xmlns:p14="http://schemas.microsoft.com/office/powerpoint/2010/main" id="1" dur="indefinite" restart="never" nodeType="tmRoot"/>
       </p:par>
     </p:tnLst>
   </p:timing>
@@ -15774,12 +15774,12 @@
           <a:graphicData uri="http://schemas.openxmlformats.org/presentationml/2006/ole">
             <mc:AlternateContent xmlns:mc="http://schemas.openxmlformats.org/markup-compatibility/2006">
               <mc:Choice xmlns:v="urn:schemas-microsoft-com:vml" Requires="v">
-                <p:oleObj spid="_x0000_s39950" name="文書" r:id="rId5" imgW="4495800" imgH="1866900" progId="Word.Document.12">
+                <p:oleObj spid="_x0000_s39946" name="文書" r:id="rId4" imgW="4495800" imgH="1866900" progId="Word.Document.12">
                   <p:embed/>
                 </p:oleObj>
               </mc:Choice>
               <mc:Fallback>
-                <p:oleObj name="文書" r:id="rId5" imgW="4495800" imgH="1866900" progId="Word.Document.12">
+                <p:oleObj name="文書" r:id="rId4" imgW="4495800" imgH="1866900" progId="Word.Document.12">
                   <p:embed/>
                   <p:pic>
                     <p:nvPicPr>
@@ -15788,7 +15788,7 @@
                       <p:nvPr/>
                     </p:nvPicPr>
                     <p:blipFill>
-                      <a:blip r:embed="rId6"/>
+                      <a:blip r:embed="rId5"/>
                       <a:stretch>
                         <a:fillRect/>
                       </a:stretch>
@@ -15818,7 +15818,7 @@
           <p:nvPr/>
         </p:nvPicPr>
         <p:blipFill>
-          <a:blip r:embed="rId7">
+          <a:blip r:embed="rId6">
             <a:extLst>
               <a:ext uri="{28A0092B-C50C-407E-A947-70E740481C1C}">
                 <a14:useLocalDpi xmlns:a14="http://schemas.microsoft.com/office/drawing/2010/main" val="0"/>
@@ -15852,7 +15852,7 @@
   <p:timing>
     <p:tnLst>
       <p:par>
-        <p:cTn id="1" dur="indefinite" restart="never" nodeType="tmRoot"/>
+        <p:cTn xmlns:p14="http://schemas.microsoft.com/office/powerpoint/2010/main" id="1" dur="indefinite" restart="never" nodeType="tmRoot"/>
       </p:par>
     </p:tnLst>
   </p:timing>
@@ -15976,12 +15976,12 @@
           <a:graphicData uri="http://schemas.openxmlformats.org/presentationml/2006/ole">
             <mc:AlternateContent xmlns:mc="http://schemas.openxmlformats.org/markup-compatibility/2006">
               <mc:Choice xmlns:v="urn:schemas-microsoft-com:vml" Requires="v">
-                <p:oleObj spid="_x0000_s29796" name="文書" r:id="rId5" imgW="4495800" imgH="1943100" progId="Word.Document.12">
+                <p:oleObj spid="_x0000_s29792" name="文書" r:id="rId4" imgW="4495800" imgH="1943100" progId="Word.Document.12">
                   <p:embed/>
                 </p:oleObj>
               </mc:Choice>
               <mc:Fallback>
-                <p:oleObj name="文書" r:id="rId5" imgW="4495800" imgH="1943100" progId="Word.Document.12">
+                <p:oleObj name="文書" r:id="rId4" imgW="4495800" imgH="1943100" progId="Word.Document.12">
                   <p:embed/>
                   <p:pic>
                     <p:nvPicPr>
@@ -15990,7 +15990,7 @@
                       <p:nvPr/>
                     </p:nvPicPr>
                     <p:blipFill>
-                      <a:blip r:embed="rId6"/>
+                      <a:blip r:embed="rId5"/>
                       <a:stretch>
                         <a:fillRect/>
                       </a:stretch>
@@ -16024,7 +16024,7 @@
   <p:timing>
     <p:tnLst>
       <p:par>
-        <p:cTn id="1" dur="indefinite" restart="never" nodeType="tmRoot"/>
+        <p:cTn xmlns:p14="http://schemas.microsoft.com/office/powerpoint/2010/main" id="1" dur="indefinite" restart="never" nodeType="tmRoot"/>
       </p:par>
     </p:tnLst>
   </p:timing>
@@ -16148,12 +16148,12 @@
           <a:graphicData uri="http://schemas.openxmlformats.org/presentationml/2006/ole">
             <mc:AlternateContent xmlns:mc="http://schemas.openxmlformats.org/markup-compatibility/2006">
               <mc:Choice xmlns:v="urn:schemas-microsoft-com:vml" Requires="v">
-                <p:oleObj spid="_x0000_s40974" name="文書" r:id="rId5" imgW="4495800" imgH="1943100" progId="Word.Document.12">
+                <p:oleObj spid="_x0000_s40970" name="文書" r:id="rId4" imgW="4495800" imgH="1943100" progId="Word.Document.12">
                   <p:embed/>
                 </p:oleObj>
               </mc:Choice>
               <mc:Fallback>
-                <p:oleObj name="文書" r:id="rId5" imgW="4495800" imgH="1943100" progId="Word.Document.12">
+                <p:oleObj name="文書" r:id="rId4" imgW="4495800" imgH="1943100" progId="Word.Document.12">
                   <p:embed/>
                   <p:pic>
                     <p:nvPicPr>
@@ -16162,7 +16162,7 @@
                       <p:nvPr/>
                     </p:nvPicPr>
                     <p:blipFill>
-                      <a:blip r:embed="rId6"/>
+                      <a:blip r:embed="rId5"/>
                       <a:stretch>
                         <a:fillRect/>
                       </a:stretch>
@@ -16192,7 +16192,7 @@
           <p:nvPr/>
         </p:nvPicPr>
         <p:blipFill>
-          <a:blip r:embed="rId7">
+          <a:blip r:embed="rId6">
             <a:extLst>
               <a:ext uri="{28A0092B-C50C-407E-A947-70E740481C1C}">
                 <a14:useLocalDpi xmlns:a14="http://schemas.microsoft.com/office/drawing/2010/main" val="0"/>
@@ -16226,7 +16226,7 @@
   <p:timing>
     <p:tnLst>
       <p:par>
-        <p:cTn id="1" dur="indefinite" restart="never" nodeType="tmRoot"/>
+        <p:cTn xmlns:p14="http://schemas.microsoft.com/office/powerpoint/2010/main" id="1" dur="indefinite" restart="never" nodeType="tmRoot"/>
       </p:par>
     </p:tnLst>
   </p:timing>
@@ -16350,12 +16350,12 @@
           <a:graphicData uri="http://schemas.openxmlformats.org/presentationml/2006/ole">
             <mc:AlternateContent xmlns:mc="http://schemas.openxmlformats.org/markup-compatibility/2006">
               <mc:Choice xmlns:v="urn:schemas-microsoft-com:vml" Requires="v">
-                <p:oleObj spid="_x0000_s22644" name="文書" r:id="rId5" imgW="4495800" imgH="1905000" progId="Word.Document.12">
+                <p:oleObj spid="_x0000_s22640" name="文書" r:id="rId4" imgW="4495800" imgH="1905000" progId="Word.Document.12">
                   <p:embed/>
                 </p:oleObj>
               </mc:Choice>
               <mc:Fallback>
-                <p:oleObj name="文書" r:id="rId5" imgW="4495800" imgH="1905000" progId="Word.Document.12">
+                <p:oleObj name="文書" r:id="rId4" imgW="4495800" imgH="1905000" progId="Word.Document.12">
                   <p:embed/>
                   <p:pic>
                     <p:nvPicPr>
@@ -16364,7 +16364,7 @@
                       <p:nvPr/>
                     </p:nvPicPr>
                     <p:blipFill>
-                      <a:blip r:embed="rId6"/>
+                      <a:blip r:embed="rId5"/>
                       <a:stretch>
                         <a:fillRect/>
                       </a:stretch>
@@ -16434,7 +16434,7 @@
   <p:timing>
     <p:tnLst>
       <p:par>
-        <p:cTn id="1" dur="indefinite" restart="never" nodeType="tmRoot"/>
+        <p:cTn xmlns:p14="http://schemas.microsoft.com/office/powerpoint/2010/main" id="1" dur="indefinite" restart="never" nodeType="tmRoot"/>
       </p:par>
     </p:tnLst>
   </p:timing>
@@ -16558,12 +16558,12 @@
           <a:graphicData uri="http://schemas.openxmlformats.org/presentationml/2006/ole">
             <mc:AlternateContent xmlns:mc="http://schemas.openxmlformats.org/markup-compatibility/2006">
               <mc:Choice xmlns:v="urn:schemas-microsoft-com:vml" Requires="v">
-                <p:oleObj spid="_x0000_s37970" name="文書" r:id="rId5" imgW="4495800" imgH="1955800" progId="Word.Document.12">
+                <p:oleObj spid="_x0000_s37966" name="文書" r:id="rId4" imgW="4495800" imgH="1955800" progId="Word.Document.12">
                   <p:embed/>
                 </p:oleObj>
               </mc:Choice>
               <mc:Fallback>
-                <p:oleObj name="文書" r:id="rId5" imgW="4495800" imgH="1955800" progId="Word.Document.12">
+                <p:oleObj name="文書" r:id="rId4" imgW="4495800" imgH="1955800" progId="Word.Document.12">
                   <p:embed/>
                   <p:pic>
                     <p:nvPicPr>
@@ -16572,7 +16572,7 @@
                       <p:nvPr/>
                     </p:nvPicPr>
                     <p:blipFill>
-                      <a:blip r:embed="rId6"/>
+                      <a:blip r:embed="rId5"/>
                       <a:stretch>
                         <a:fillRect/>
                       </a:stretch>
@@ -16642,7 +16642,7 @@
   <p:timing>
     <p:tnLst>
       <p:par>
-        <p:cTn id="1" dur="indefinite" restart="never" nodeType="tmRoot"/>
+        <p:cTn xmlns:p14="http://schemas.microsoft.com/office/powerpoint/2010/main" id="1" dur="indefinite" restart="never" nodeType="tmRoot"/>
       </p:par>
     </p:tnLst>
   </p:timing>
@@ -16786,7 +16786,426 @@
           <a:graphicData uri="http://schemas.openxmlformats.org/presentationml/2006/ole">
             <mc:AlternateContent xmlns:mc="http://schemas.openxmlformats.org/markup-compatibility/2006">
               <mc:Choice xmlns:v="urn:schemas-microsoft-com:vml" Requires="v">
-                <p:oleObj spid="_x0000_s17640" name="文書" r:id="rId5" imgW="4495800" imgH="419100" progId="Word.Document.12">
+                <p:oleObj spid="_x0000_s17634" name="文書" r:id="rId4" imgW="4495800" imgH="419100" progId="Word.Document.12">
+                  <p:embed/>
+                </p:oleObj>
+              </mc:Choice>
+              <mc:Fallback>
+                <p:oleObj name="文書" r:id="rId4" imgW="4495800" imgH="419100" progId="Word.Document.12">
+                  <p:embed/>
+                  <p:pic>
+                    <p:nvPicPr>
+                      <p:cNvPr id="0" name=""/>
+                      <p:cNvPicPr/>
+                      <p:nvPr/>
+                    </p:nvPicPr>
+                    <p:blipFill>
+                      <a:blip r:embed="rId5"/>
+                      <a:stretch>
+                        <a:fillRect/>
+                      </a:stretch>
+                    </p:blipFill>
+                    <p:spPr>
+                      <a:xfrm>
+                        <a:off x="1055440" y="1196752"/>
+                        <a:ext cx="11239500" cy="1047750"/>
+                      </a:xfrm>
+                      <a:prstGeom prst="rect">
+                        <a:avLst/>
+                      </a:prstGeom>
+                    </p:spPr>
+                  </p:pic>
+                </p:oleObj>
+              </mc:Fallback>
+            </mc:AlternateContent>
+          </a:graphicData>
+        </a:graphic>
+      </p:graphicFrame>
+      <p:pic>
+        <p:nvPicPr>
+          <p:cNvPr id="7" name="図 6" descr="stochastic.png"/>
+          <p:cNvPicPr>
+            <a:picLocks noChangeAspect="1"/>
+          </p:cNvPicPr>
+          <p:nvPr/>
+        </p:nvPicPr>
+        <p:blipFill>
+          <a:blip r:embed="rId6">
+            <a:extLst>
+              <a:ext uri="{28A0092B-C50C-407E-A947-70E740481C1C}">
+                <a14:useLocalDpi xmlns:a14="http://schemas.microsoft.com/office/drawing/2010/main" val="0"/>
+              </a:ext>
+            </a:extLst>
+          </a:blip>
+          <a:stretch>
+            <a:fillRect/>
+          </a:stretch>
+        </p:blipFill>
+        <p:spPr>
+          <a:xfrm>
+            <a:off x="263352" y="2671399"/>
+            <a:ext cx="5689255" cy="3781937"/>
+          </a:xfrm>
+          <a:prstGeom prst="rect">
+            <a:avLst/>
+          </a:prstGeom>
+        </p:spPr>
+      </p:pic>
+      <p:graphicFrame>
+        <p:nvGraphicFramePr>
+          <p:cNvPr id="10" name="オブジェクト 9"/>
+          <p:cNvGraphicFramePr>
+            <a:graphicFrameLocks noChangeAspect="1"/>
+          </p:cNvGraphicFramePr>
+          <p:nvPr>
+            <p:extLst>
+              <p:ext uri="{D42A27DB-BD31-4B8C-83A1-F6EECF244321}">
+                <p14:modId xmlns:p14="http://schemas.microsoft.com/office/powerpoint/2010/main" val="3500895315"/>
+              </p:ext>
+            </p:extLst>
+          </p:nvPr>
+        </p:nvGraphicFramePr>
+        <p:xfrm>
+          <a:off x="191344" y="1196752"/>
+          <a:ext cx="11239500" cy="539750"/>
+        </p:xfrm>
+        <a:graphic>
+          <a:graphicData uri="http://schemas.openxmlformats.org/presentationml/2006/ole">
+            <mc:AlternateContent xmlns:mc="http://schemas.openxmlformats.org/markup-compatibility/2006">
+              <mc:Choice xmlns:v="urn:schemas-microsoft-com:vml" Requires="v">
+                <p:oleObj spid="_x0000_s17635" name="文書" r:id="rId7" imgW="4495800" imgH="215900" progId="Word.Document.12">
+                  <p:embed/>
+                </p:oleObj>
+              </mc:Choice>
+              <mc:Fallback>
+                <p:oleObj name="文書" r:id="rId7" imgW="4495800" imgH="215900" progId="Word.Document.12">
+                  <p:embed/>
+                  <p:pic>
+                    <p:nvPicPr>
+                      <p:cNvPr id="0" name=""/>
+                      <p:cNvPicPr/>
+                      <p:nvPr/>
+                    </p:nvPicPr>
+                    <p:blipFill>
+                      <a:blip r:embed="rId8"/>
+                      <a:stretch>
+                        <a:fillRect/>
+                      </a:stretch>
+                    </p:blipFill>
+                    <p:spPr>
+                      <a:xfrm>
+                        <a:off x="191344" y="1196752"/>
+                        <a:ext cx="11239500" cy="539750"/>
+                      </a:xfrm>
+                      <a:prstGeom prst="rect">
+                        <a:avLst/>
+                      </a:prstGeom>
+                    </p:spPr>
+                  </p:pic>
+                </p:oleObj>
+              </mc:Fallback>
+            </mc:AlternateContent>
+          </a:graphicData>
+        </a:graphic>
+      </p:graphicFrame>
+      <p:pic>
+        <p:nvPicPr>
+          <p:cNvPr id="30" name="図 29" descr="general.png"/>
+          <p:cNvPicPr>
+            <a:picLocks noChangeAspect="1"/>
+          </p:cNvPicPr>
+          <p:nvPr/>
+        </p:nvPicPr>
+        <p:blipFill>
+          <a:blip r:embed="rId9">
+            <a:extLst>
+              <a:ext uri="{28A0092B-C50C-407E-A947-70E740481C1C}">
+                <a14:useLocalDpi xmlns:a14="http://schemas.microsoft.com/office/drawing/2010/main" val="0"/>
+              </a:ext>
+            </a:extLst>
+          </a:blip>
+          <a:stretch>
+            <a:fillRect/>
+          </a:stretch>
+        </p:blipFill>
+        <p:spPr>
+          <a:xfrm>
+            <a:off x="6312024" y="1699266"/>
+            <a:ext cx="5256584" cy="4790434"/>
+          </a:xfrm>
+          <a:prstGeom prst="rect">
+            <a:avLst/>
+          </a:prstGeom>
+        </p:spPr>
+      </p:pic>
+      <p:sp>
+        <p:nvSpPr>
+          <p:cNvPr id="32" name="テキスト ボックス 31"/>
+          <p:cNvSpPr txBox="1"/>
+          <p:nvPr/>
+        </p:nvSpPr>
+        <p:spPr>
+          <a:xfrm>
+            <a:off x="2280199" y="5157192"/>
+            <a:ext cx="2085627" cy="461665"/>
+          </a:xfrm>
+          <a:prstGeom prst="rect">
+            <a:avLst/>
+          </a:prstGeom>
+          <a:noFill/>
+        </p:spPr>
+        <p:txBody>
+          <a:bodyPr wrap="none" rtlCol="0">
+            <a:spAutoFit/>
+          </a:bodyPr>
+          <a:lstStyle/>
+          <a:p>
+            <a:r>
+              <a:rPr kumimoji="1" lang="en-US" altLang="ja-JP" sz="2400" dirty="0" smtClean="0"/>
+              <a:t>Example of </a:t>
+            </a:r>
+            <a:r>
+              <a:rPr kumimoji="1" lang="en-US" altLang="ja-JP" sz="2400" i="1" dirty="0" smtClean="0"/>
+              <a:t>X</a:t>
+            </a:r>
+            <a:endParaRPr kumimoji="1" lang="ja-JP" altLang="en-US" sz="2400" i="1" dirty="0"/>
+          </a:p>
+        </p:txBody>
+      </p:sp>
+      <p:sp>
+        <p:nvSpPr>
+          <p:cNvPr id="33" name="テキスト ボックス 32"/>
+          <p:cNvSpPr txBox="1"/>
+          <p:nvPr/>
+        </p:nvSpPr>
+        <p:spPr>
+          <a:xfrm>
+            <a:off x="8904312" y="1916832"/>
+            <a:ext cx="2373967" cy="461665"/>
+          </a:xfrm>
+          <a:prstGeom prst="rect">
+            <a:avLst/>
+          </a:prstGeom>
+          <a:noFill/>
+        </p:spPr>
+        <p:txBody>
+          <a:bodyPr wrap="none" rtlCol="0">
+            <a:spAutoFit/>
+          </a:bodyPr>
+          <a:lstStyle/>
+          <a:p>
+            <a:r>
+              <a:rPr kumimoji="1" lang="en-US" altLang="ja-JP" sz="2400" dirty="0" smtClean="0"/>
+              <a:t>Example of </a:t>
+            </a:r>
+            <a:r>
+              <a:rPr kumimoji="1" lang="en-US" altLang="ja-JP" sz="2400" i="1" dirty="0" smtClean="0"/>
+              <a:t>P</a:t>
+            </a:r>
+            <a:r>
+              <a:rPr kumimoji="1" lang="en-US" altLang="ja-JP" sz="2400" dirty="0" smtClean="0"/>
+              <a:t>(</a:t>
+            </a:r>
+            <a:r>
+              <a:rPr kumimoji="1" lang="en-US" altLang="ja-JP" sz="2400" i="1" dirty="0" smtClean="0"/>
+              <a:t>x</a:t>
+            </a:r>
+            <a:r>
+              <a:rPr kumimoji="1" lang="en-US" altLang="ja-JP" sz="2400" dirty="0" smtClean="0"/>
+              <a:t>)</a:t>
+            </a:r>
+            <a:endParaRPr kumimoji="1" lang="ja-JP" altLang="en-US" sz="2400" dirty="0"/>
+          </a:p>
+        </p:txBody>
+      </p:sp>
+    </p:spTree>
+    <p:extLst>
+      <p:ext uri="{BB962C8B-B14F-4D97-AF65-F5344CB8AC3E}">
+        <p14:creationId xmlns:p14="http://schemas.microsoft.com/office/powerpoint/2010/main" val="2557108801"/>
+      </p:ext>
+    </p:extLst>
+  </p:cSld>
+  <p:clrMapOvr>
+    <a:masterClrMapping/>
+  </p:clrMapOvr>
+  <p:timing>
+    <p:tnLst>
+      <p:par>
+        <p:cTn xmlns:p14="http://schemas.microsoft.com/office/powerpoint/2010/main" id="1" dur="indefinite" restart="never" nodeType="tmRoot"/>
+      </p:par>
+    </p:tnLst>
+  </p:timing>
+</p:sld>
+</file>
+
+<file path=ppt/slides/slide3.xml><?xml version="1.0" encoding="utf-8"?>
+<p:sld xmlns:a="http://schemas.openxmlformats.org/drawingml/2006/main" xmlns:r="http://schemas.openxmlformats.org/officeDocument/2006/relationships" xmlns:p="http://schemas.openxmlformats.org/presentationml/2006/main">
+  <p:cSld>
+    <p:spTree>
+      <p:nvGrpSpPr>
+        <p:cNvPr id="1" name=""/>
+        <p:cNvGrpSpPr/>
+        <p:nvPr/>
+      </p:nvGrpSpPr>
+      <p:grpSpPr>
+        <a:xfrm>
+          <a:off x="0" y="0"/>
+          <a:ext cx="0" cy="0"/>
+          <a:chOff x="0" y="0"/>
+          <a:chExt cx="0" cy="0"/>
+        </a:xfrm>
+      </p:grpSpPr>
+      <p:pic>
+        <p:nvPicPr>
+          <p:cNvPr id="19" name="図 18" descr="general.png"/>
+          <p:cNvPicPr>
+            <a:picLocks noChangeAspect="1"/>
+          </p:cNvPicPr>
+          <p:nvPr/>
+        </p:nvPicPr>
+        <p:blipFill>
+          <a:blip r:embed="rId4">
+            <a:extLst>
+              <a:ext uri="{28A0092B-C50C-407E-A947-70E740481C1C}">
+                <a14:useLocalDpi xmlns:a14="http://schemas.microsoft.com/office/drawing/2010/main" val="0"/>
+              </a:ext>
+            </a:extLst>
+          </a:blip>
+          <a:stretch>
+            <a:fillRect/>
+          </a:stretch>
+        </p:blipFill>
+        <p:spPr>
+          <a:xfrm>
+            <a:off x="6312024" y="1699266"/>
+            <a:ext cx="5256584" cy="4790434"/>
+          </a:xfrm>
+          <a:prstGeom prst="rect">
+            <a:avLst/>
+          </a:prstGeom>
+        </p:spPr>
+      </p:pic>
+      <p:sp>
+        <p:nvSpPr>
+          <p:cNvPr id="3" name="タイトル 2"/>
+          <p:cNvSpPr>
+            <a:spLocks noGrp="1"/>
+          </p:cNvSpPr>
+          <p:nvPr>
+            <p:ph type="title"/>
+          </p:nvPr>
+        </p:nvSpPr>
+        <p:spPr/>
+        <p:txBody>
+          <a:bodyPr/>
+          <a:lstStyle/>
+          <a:p>
+            <a:r>
+              <a:rPr lang="en-US" altLang="ja-JP" sz="4400" dirty="0"/>
+              <a:t>Stochastic variable and distribution functions</a:t>
+            </a:r>
+            <a:endParaRPr lang="ja-JP" altLang="en-US" sz="4400" dirty="0"/>
+          </a:p>
+        </p:txBody>
+      </p:sp>
+      <p:sp>
+        <p:nvSpPr>
+          <p:cNvPr id="5" name="スライド番号プレースホルダー 4"/>
+          <p:cNvSpPr>
+            <a:spLocks noGrp="1"/>
+          </p:cNvSpPr>
+          <p:nvPr>
+            <p:ph type="sldNum" sz="quarter" idx="12"/>
+          </p:nvPr>
+        </p:nvSpPr>
+        <p:spPr/>
+        <p:txBody>
+          <a:bodyPr/>
+          <a:lstStyle/>
+          <a:p>
+            <a:pPr>
+              <a:defRPr/>
+            </a:pPr>
+            <a:fld id="{5BC7FEBF-A170-470C-A369-F0D066FB58E5}" type="slidenum">
+              <a:rPr lang="en-US">
+                <a:solidFill>
+                  <a:prstClr val="white"/>
+                </a:solidFill>
+                <a:latin typeface="Calibri"/>
+              </a:rPr>
+              <a:pPr>
+                <a:defRPr/>
+              </a:pPr>
+              <a:t>3</a:t>
+            </a:fld>
+            <a:endParaRPr lang="en-US">
+              <a:solidFill>
+                <a:prstClr val="white"/>
+              </a:solidFill>
+              <a:latin typeface="Calibri"/>
+            </a:endParaRPr>
+          </a:p>
+        </p:txBody>
+      </p:sp>
+      <p:sp>
+        <p:nvSpPr>
+          <p:cNvPr id="6" name="フッター プレースホルダー 5"/>
+          <p:cNvSpPr>
+            <a:spLocks noGrp="1"/>
+          </p:cNvSpPr>
+          <p:nvPr>
+            <p:ph type="ftr" sz="quarter" idx="11"/>
+          </p:nvPr>
+        </p:nvSpPr>
+        <p:spPr/>
+        <p:txBody>
+          <a:bodyPr/>
+          <a:lstStyle/>
+          <a:p>
+            <a:pPr algn="r">
+              <a:defRPr/>
+            </a:pPr>
+            <a:r>
+              <a:rPr lang="en-US" dirty="0" smtClean="0">
+                <a:solidFill>
+                  <a:prstClr val="white"/>
+                </a:solidFill>
+                <a:latin typeface="Calibri"/>
+              </a:rPr>
+              <a:t>R. Yamamoto, Kyoto University</a:t>
+            </a:r>
+            <a:endParaRPr lang="en-US" dirty="0">
+              <a:solidFill>
+                <a:prstClr val="white"/>
+              </a:solidFill>
+              <a:latin typeface="Calibri"/>
+            </a:endParaRPr>
+          </a:p>
+        </p:txBody>
+      </p:sp>
+      <p:graphicFrame>
+        <p:nvGraphicFramePr>
+          <p:cNvPr id="20" name="オブジェクト 19"/>
+          <p:cNvGraphicFramePr>
+            <a:graphicFrameLocks noChangeAspect="1"/>
+          </p:cNvGraphicFramePr>
+          <p:nvPr>
+            <p:extLst>
+              <p:ext uri="{D42A27DB-BD31-4B8C-83A1-F6EECF244321}">
+                <p14:modId xmlns:p14="http://schemas.microsoft.com/office/powerpoint/2010/main" val="1176546261"/>
+              </p:ext>
+            </p:extLst>
+          </p:nvPr>
+        </p:nvGraphicFramePr>
+        <p:xfrm>
+          <a:off x="1055440" y="1196752"/>
+          <a:ext cx="11239500" cy="1047750"/>
+        </p:xfrm>
+        <a:graphic>
+          <a:graphicData uri="http://schemas.openxmlformats.org/presentationml/2006/ole">
+            <mc:AlternateContent xmlns:mc="http://schemas.openxmlformats.org/markup-compatibility/2006">
+              <mc:Choice xmlns:v="urn:schemas-microsoft-com:vml" Requires="v">
+                <p:oleObj spid="_x0000_s18656" name="文書" r:id="rId5" imgW="4495800" imgH="419100" progId="Word.Document.12">
                   <p:embed/>
                 </p:oleObj>
               </mc:Choice>
@@ -16860,7 +17279,7 @@
           <p:nvPr>
             <p:extLst>
               <p:ext uri="{D42A27DB-BD31-4B8C-83A1-F6EECF244321}">
-                <p14:modId xmlns:p14="http://schemas.microsoft.com/office/powerpoint/2010/main" val="3500895315"/>
+                <p14:modId xmlns:p14="http://schemas.microsoft.com/office/powerpoint/2010/main" val="3834024923"/>
               </p:ext>
             </p:extLst>
           </p:nvPr>
@@ -16873,12 +17292,12 @@
           <a:graphicData uri="http://schemas.openxmlformats.org/presentationml/2006/ole">
             <mc:AlternateContent xmlns:mc="http://schemas.openxmlformats.org/markup-compatibility/2006">
               <mc:Choice xmlns:v="urn:schemas-microsoft-com:vml" Requires="v">
-                <p:oleObj spid="_x0000_s17641" name="文書" r:id="rId9" imgW="4495800" imgH="215900" progId="Word.Document.12">
+                <p:oleObj spid="_x0000_s18657" name="文書" r:id="rId8" imgW="4495800" imgH="215900" progId="Word.Document.12">
                   <p:embed/>
                 </p:oleObj>
               </mc:Choice>
               <mc:Fallback>
-                <p:oleObj name="文書" r:id="rId9" imgW="4495800" imgH="215900" progId="Word.Document.12">
+                <p:oleObj name="文書" r:id="rId8" imgW="4495800" imgH="215900" progId="Word.Document.12">
                   <p:embed/>
                   <p:pic>
                     <p:nvPicPr>
@@ -16887,426 +17306,7 @@
                       <p:nvPr/>
                     </p:nvPicPr>
                     <p:blipFill>
-                      <a:blip r:embed="rId10"/>
-                      <a:stretch>
-                        <a:fillRect/>
-                      </a:stretch>
-                    </p:blipFill>
-                    <p:spPr>
-                      <a:xfrm>
-                        <a:off x="191344" y="1196752"/>
-                        <a:ext cx="11239500" cy="539750"/>
-                      </a:xfrm>
-                      <a:prstGeom prst="rect">
-                        <a:avLst/>
-                      </a:prstGeom>
-                    </p:spPr>
-                  </p:pic>
-                </p:oleObj>
-              </mc:Fallback>
-            </mc:AlternateContent>
-          </a:graphicData>
-        </a:graphic>
-      </p:graphicFrame>
-      <p:pic>
-        <p:nvPicPr>
-          <p:cNvPr id="30" name="図 29" descr="general.png"/>
-          <p:cNvPicPr>
-            <a:picLocks noChangeAspect="1"/>
-          </p:cNvPicPr>
-          <p:nvPr/>
-        </p:nvPicPr>
-        <p:blipFill>
-          <a:blip r:embed="rId11">
-            <a:extLst>
-              <a:ext uri="{28A0092B-C50C-407E-A947-70E740481C1C}">
-                <a14:useLocalDpi xmlns:a14="http://schemas.microsoft.com/office/drawing/2010/main" val="0"/>
-              </a:ext>
-            </a:extLst>
-          </a:blip>
-          <a:stretch>
-            <a:fillRect/>
-          </a:stretch>
-        </p:blipFill>
-        <p:spPr>
-          <a:xfrm>
-            <a:off x="6312024" y="1699266"/>
-            <a:ext cx="5256584" cy="4790434"/>
-          </a:xfrm>
-          <a:prstGeom prst="rect">
-            <a:avLst/>
-          </a:prstGeom>
-        </p:spPr>
-      </p:pic>
-      <p:sp>
-        <p:nvSpPr>
-          <p:cNvPr id="32" name="テキスト ボックス 31"/>
-          <p:cNvSpPr txBox="1"/>
-          <p:nvPr/>
-        </p:nvSpPr>
-        <p:spPr>
-          <a:xfrm>
-            <a:off x="2280199" y="5157192"/>
-            <a:ext cx="2085627" cy="461665"/>
-          </a:xfrm>
-          <a:prstGeom prst="rect">
-            <a:avLst/>
-          </a:prstGeom>
-          <a:noFill/>
-        </p:spPr>
-        <p:txBody>
-          <a:bodyPr wrap="none" rtlCol="0">
-            <a:spAutoFit/>
-          </a:bodyPr>
-          <a:lstStyle/>
-          <a:p>
-            <a:r>
-              <a:rPr kumimoji="1" lang="en-US" altLang="ja-JP" sz="2400" dirty="0" smtClean="0"/>
-              <a:t>Example of </a:t>
-            </a:r>
-            <a:r>
-              <a:rPr kumimoji="1" lang="en-US" altLang="ja-JP" sz="2400" i="1" dirty="0" smtClean="0"/>
-              <a:t>X</a:t>
-            </a:r>
-            <a:endParaRPr kumimoji="1" lang="ja-JP" altLang="en-US" sz="2400" i="1" dirty="0"/>
-          </a:p>
-        </p:txBody>
-      </p:sp>
-      <p:sp>
-        <p:nvSpPr>
-          <p:cNvPr id="33" name="テキスト ボックス 32"/>
-          <p:cNvSpPr txBox="1"/>
-          <p:nvPr/>
-        </p:nvSpPr>
-        <p:spPr>
-          <a:xfrm>
-            <a:off x="8904312" y="1916832"/>
-            <a:ext cx="2373967" cy="461665"/>
-          </a:xfrm>
-          <a:prstGeom prst="rect">
-            <a:avLst/>
-          </a:prstGeom>
-          <a:noFill/>
-        </p:spPr>
-        <p:txBody>
-          <a:bodyPr wrap="none" rtlCol="0">
-            <a:spAutoFit/>
-          </a:bodyPr>
-          <a:lstStyle/>
-          <a:p>
-            <a:r>
-              <a:rPr kumimoji="1" lang="en-US" altLang="ja-JP" sz="2400" dirty="0" smtClean="0"/>
-              <a:t>Example of </a:t>
-            </a:r>
-            <a:r>
-              <a:rPr kumimoji="1" lang="en-US" altLang="ja-JP" sz="2400" i="1" dirty="0" smtClean="0"/>
-              <a:t>P</a:t>
-            </a:r>
-            <a:r>
-              <a:rPr kumimoji="1" lang="en-US" altLang="ja-JP" sz="2400" dirty="0" smtClean="0"/>
-              <a:t>(</a:t>
-            </a:r>
-            <a:r>
-              <a:rPr kumimoji="1" lang="en-US" altLang="ja-JP" sz="2400" i="1" dirty="0" smtClean="0"/>
-              <a:t>x</a:t>
-            </a:r>
-            <a:r>
-              <a:rPr kumimoji="1" lang="en-US" altLang="ja-JP" sz="2400" dirty="0" smtClean="0"/>
-              <a:t>)</a:t>
-            </a:r>
-            <a:endParaRPr kumimoji="1" lang="ja-JP" altLang="en-US" sz="2400" dirty="0"/>
-          </a:p>
-        </p:txBody>
-      </p:sp>
-    </p:spTree>
-    <p:extLst>
-      <p:ext uri="{BB962C8B-B14F-4D97-AF65-F5344CB8AC3E}">
-        <p14:creationId xmlns:p14="http://schemas.microsoft.com/office/powerpoint/2010/main" val="2557108801"/>
-      </p:ext>
-    </p:extLst>
-  </p:cSld>
-  <p:clrMapOvr>
-    <a:masterClrMapping/>
-  </p:clrMapOvr>
-  <p:timing>
-    <p:tnLst>
-      <p:par>
-        <p:cTn id="1" dur="indefinite" restart="never" nodeType="tmRoot"/>
-      </p:par>
-    </p:tnLst>
-  </p:timing>
-</p:sld>
-</file>
-
-<file path=ppt/slides/slide3.xml><?xml version="1.0" encoding="utf-8"?>
-<p:sld xmlns:a="http://schemas.openxmlformats.org/drawingml/2006/main" xmlns:r="http://schemas.openxmlformats.org/officeDocument/2006/relationships" xmlns:p="http://schemas.openxmlformats.org/presentationml/2006/main">
-  <p:cSld>
-    <p:spTree>
-      <p:nvGrpSpPr>
-        <p:cNvPr id="1" name=""/>
-        <p:cNvGrpSpPr/>
-        <p:nvPr/>
-      </p:nvGrpSpPr>
-      <p:grpSpPr>
-        <a:xfrm>
-          <a:off x="0" y="0"/>
-          <a:ext cx="0" cy="0"/>
-          <a:chOff x="0" y="0"/>
-          <a:chExt cx="0" cy="0"/>
-        </a:xfrm>
-      </p:grpSpPr>
-      <p:pic>
-        <p:nvPicPr>
-          <p:cNvPr id="19" name="図 18" descr="general.png"/>
-          <p:cNvPicPr>
-            <a:picLocks noChangeAspect="1"/>
-          </p:cNvPicPr>
-          <p:nvPr/>
-        </p:nvPicPr>
-        <p:blipFill>
-          <a:blip r:embed="rId4">
-            <a:extLst>
-              <a:ext uri="{28A0092B-C50C-407E-A947-70E740481C1C}">
-                <a14:useLocalDpi xmlns:a14="http://schemas.microsoft.com/office/drawing/2010/main" val="0"/>
-              </a:ext>
-            </a:extLst>
-          </a:blip>
-          <a:stretch>
-            <a:fillRect/>
-          </a:stretch>
-        </p:blipFill>
-        <p:spPr>
-          <a:xfrm>
-            <a:off x="6312024" y="1699266"/>
-            <a:ext cx="5256584" cy="4790434"/>
-          </a:xfrm>
-          <a:prstGeom prst="rect">
-            <a:avLst/>
-          </a:prstGeom>
-        </p:spPr>
-      </p:pic>
-      <p:sp>
-        <p:nvSpPr>
-          <p:cNvPr id="3" name="タイトル 2"/>
-          <p:cNvSpPr>
-            <a:spLocks noGrp="1"/>
-          </p:cNvSpPr>
-          <p:nvPr>
-            <p:ph type="title"/>
-          </p:nvPr>
-        </p:nvSpPr>
-        <p:spPr/>
-        <p:txBody>
-          <a:bodyPr/>
-          <a:lstStyle/>
-          <a:p>
-            <a:r>
-              <a:rPr lang="en-US" altLang="ja-JP" sz="4400" dirty="0"/>
-              <a:t>Stochastic variable and distribution functions</a:t>
-            </a:r>
-            <a:endParaRPr lang="ja-JP" altLang="en-US" sz="4400" dirty="0"/>
-          </a:p>
-        </p:txBody>
-      </p:sp>
-      <p:sp>
-        <p:nvSpPr>
-          <p:cNvPr id="5" name="スライド番号プレースホルダー 4"/>
-          <p:cNvSpPr>
-            <a:spLocks noGrp="1"/>
-          </p:cNvSpPr>
-          <p:nvPr>
-            <p:ph type="sldNum" sz="quarter" idx="12"/>
-          </p:nvPr>
-        </p:nvSpPr>
-        <p:spPr/>
-        <p:txBody>
-          <a:bodyPr/>
-          <a:lstStyle/>
-          <a:p>
-            <a:pPr>
-              <a:defRPr/>
-            </a:pPr>
-            <a:fld id="{5BC7FEBF-A170-470C-A369-F0D066FB58E5}" type="slidenum">
-              <a:rPr lang="en-US">
-                <a:solidFill>
-                  <a:prstClr val="white"/>
-                </a:solidFill>
-                <a:latin typeface="Calibri"/>
-              </a:rPr>
-              <a:pPr>
-                <a:defRPr/>
-              </a:pPr>
-              <a:t>3</a:t>
-            </a:fld>
-            <a:endParaRPr lang="en-US">
-              <a:solidFill>
-                <a:prstClr val="white"/>
-              </a:solidFill>
-              <a:latin typeface="Calibri"/>
-            </a:endParaRPr>
-          </a:p>
-        </p:txBody>
-      </p:sp>
-      <p:sp>
-        <p:nvSpPr>
-          <p:cNvPr id="6" name="フッター プレースホルダー 5"/>
-          <p:cNvSpPr>
-            <a:spLocks noGrp="1"/>
-          </p:cNvSpPr>
-          <p:nvPr>
-            <p:ph type="ftr" sz="quarter" idx="11"/>
-          </p:nvPr>
-        </p:nvSpPr>
-        <p:spPr/>
-        <p:txBody>
-          <a:bodyPr/>
-          <a:lstStyle/>
-          <a:p>
-            <a:pPr algn="r">
-              <a:defRPr/>
-            </a:pPr>
-            <a:r>
-              <a:rPr lang="en-US" dirty="0" smtClean="0">
-                <a:solidFill>
-                  <a:prstClr val="white"/>
-                </a:solidFill>
-                <a:latin typeface="Calibri"/>
-              </a:rPr>
-              <a:t>R. Yamamoto, Kyoto University</a:t>
-            </a:r>
-            <a:endParaRPr lang="en-US" dirty="0">
-              <a:solidFill>
-                <a:prstClr val="white"/>
-              </a:solidFill>
-              <a:latin typeface="Calibri"/>
-            </a:endParaRPr>
-          </a:p>
-        </p:txBody>
-      </p:sp>
-      <p:graphicFrame>
-        <p:nvGraphicFramePr>
-          <p:cNvPr id="20" name="オブジェクト 19"/>
-          <p:cNvGraphicFramePr>
-            <a:graphicFrameLocks noChangeAspect="1"/>
-          </p:cNvGraphicFramePr>
-          <p:nvPr>
-            <p:extLst>
-              <p:ext uri="{D42A27DB-BD31-4B8C-83A1-F6EECF244321}">
-                <p14:modId xmlns:p14="http://schemas.microsoft.com/office/powerpoint/2010/main" val="1176546261"/>
-              </p:ext>
-            </p:extLst>
-          </p:nvPr>
-        </p:nvGraphicFramePr>
-        <p:xfrm>
-          <a:off x="1055440" y="1196752"/>
-          <a:ext cx="11239500" cy="1047750"/>
-        </p:xfrm>
-        <a:graphic>
-          <a:graphicData uri="http://schemas.openxmlformats.org/presentationml/2006/ole">
-            <mc:AlternateContent xmlns:mc="http://schemas.openxmlformats.org/markup-compatibility/2006">
-              <mc:Choice xmlns:v="urn:schemas-microsoft-com:vml" Requires="v">
-                <p:oleObj spid="_x0000_s18662" name="文書" r:id="rId6" imgW="4495800" imgH="419100" progId="Word.Document.12">
-                  <p:embed/>
-                </p:oleObj>
-              </mc:Choice>
-              <mc:Fallback>
-                <p:oleObj name="文書" r:id="rId6" imgW="4495800" imgH="419100" progId="Word.Document.12">
-                  <p:embed/>
-                  <p:pic>
-                    <p:nvPicPr>
-                      <p:cNvPr id="0" name=""/>
-                      <p:cNvPicPr/>
-                      <p:nvPr/>
-                    </p:nvPicPr>
-                    <p:blipFill>
-                      <a:blip r:embed="rId7"/>
-                      <a:stretch>
-                        <a:fillRect/>
-                      </a:stretch>
-                    </p:blipFill>
-                    <p:spPr>
-                      <a:xfrm>
-                        <a:off x="1055440" y="1196752"/>
-                        <a:ext cx="11239500" cy="1047750"/>
-                      </a:xfrm>
-                      <a:prstGeom prst="rect">
-                        <a:avLst/>
-                      </a:prstGeom>
-                    </p:spPr>
-                  </p:pic>
-                </p:oleObj>
-              </mc:Fallback>
-            </mc:AlternateContent>
-          </a:graphicData>
-        </a:graphic>
-      </p:graphicFrame>
-      <p:pic>
-        <p:nvPicPr>
-          <p:cNvPr id="7" name="図 6" descr="stochastic.png"/>
-          <p:cNvPicPr>
-            <a:picLocks noChangeAspect="1"/>
-          </p:cNvPicPr>
-          <p:nvPr/>
-        </p:nvPicPr>
-        <p:blipFill>
-          <a:blip r:embed="rId8">
-            <a:extLst>
-              <a:ext uri="{28A0092B-C50C-407E-A947-70E740481C1C}">
-                <a14:useLocalDpi xmlns:a14="http://schemas.microsoft.com/office/drawing/2010/main" val="0"/>
-              </a:ext>
-            </a:extLst>
-          </a:blip>
-          <a:stretch>
-            <a:fillRect/>
-          </a:stretch>
-        </p:blipFill>
-        <p:spPr>
-          <a:xfrm>
-            <a:off x="263352" y="2671399"/>
-            <a:ext cx="5689255" cy="3781937"/>
-          </a:xfrm>
-          <a:prstGeom prst="rect">
-            <a:avLst/>
-          </a:prstGeom>
-        </p:spPr>
-      </p:pic>
-      <p:graphicFrame>
-        <p:nvGraphicFramePr>
-          <p:cNvPr id="10" name="オブジェクト 9"/>
-          <p:cNvGraphicFramePr>
-            <a:graphicFrameLocks noChangeAspect="1"/>
-          </p:cNvGraphicFramePr>
-          <p:nvPr>
-            <p:extLst>
-              <p:ext uri="{D42A27DB-BD31-4B8C-83A1-F6EECF244321}">
-                <p14:modId xmlns:p14="http://schemas.microsoft.com/office/powerpoint/2010/main" val="3834024923"/>
-              </p:ext>
-            </p:extLst>
-          </p:nvPr>
-        </p:nvGraphicFramePr>
-        <p:xfrm>
-          <a:off x="191344" y="1196752"/>
-          <a:ext cx="11239500" cy="539750"/>
-        </p:xfrm>
-        <a:graphic>
-          <a:graphicData uri="http://schemas.openxmlformats.org/presentationml/2006/ole">
-            <mc:AlternateContent xmlns:mc="http://schemas.openxmlformats.org/markup-compatibility/2006">
-              <mc:Choice xmlns:v="urn:schemas-microsoft-com:vml" Requires="v">
-                <p:oleObj spid="_x0000_s18663" name="文書" r:id="rId10" imgW="4495800" imgH="215900" progId="Word.Document.12">
-                  <p:embed/>
-                </p:oleObj>
-              </mc:Choice>
-              <mc:Fallback>
-                <p:oleObj name="文書" r:id="rId10" imgW="4495800" imgH="215900" progId="Word.Document.12">
-                  <p:embed/>
-                  <p:pic>
-                    <p:nvPicPr>
-                      <p:cNvPr id="0" name=""/>
-                      <p:cNvPicPr/>
-                      <p:nvPr/>
-                    </p:nvPicPr>
-                    <p:blipFill>
-                      <a:blip r:embed="rId11"/>
+                      <a:blip r:embed="rId9"/>
                       <a:stretch>
                         <a:fillRect/>
                       </a:stretch>
@@ -17713,7 +17713,7 @@
   <p:timing>
     <p:tnLst>
       <p:par>
-        <p:cTn id="1" dur="indefinite" restart="never" nodeType="tmRoot"/>
+        <p:cTn xmlns:p14="http://schemas.microsoft.com/office/powerpoint/2010/main" id="1" dur="indefinite" restart="never" nodeType="tmRoot"/>
       </p:par>
     </p:tnLst>
   </p:timing>
@@ -17837,12 +17837,12 @@
           <a:graphicData uri="http://schemas.openxmlformats.org/presentationml/2006/ole">
             <mc:AlternateContent xmlns:mc="http://schemas.openxmlformats.org/markup-compatibility/2006">
               <mc:Choice xmlns:v="urn:schemas-microsoft-com:vml" Requires="v">
-                <p:oleObj spid="_x0000_s24692" name="文書" r:id="rId5" imgW="4495800" imgH="2019300" progId="Word.Document.12">
+                <p:oleObj spid="_x0000_s24688" name="文書" r:id="rId4" imgW="4495800" imgH="2019300" progId="Word.Document.12">
                   <p:embed/>
                 </p:oleObj>
               </mc:Choice>
               <mc:Fallback>
-                <p:oleObj name="文書" r:id="rId5" imgW="4495800" imgH="2019300" progId="Word.Document.12">
+                <p:oleObj name="文書" r:id="rId4" imgW="4495800" imgH="2019300" progId="Word.Document.12">
                   <p:embed/>
                   <p:pic>
                     <p:nvPicPr>
@@ -17851,7 +17851,7 @@
                       <p:nvPr/>
                     </p:nvPicPr>
                     <p:blipFill>
-                      <a:blip r:embed="rId6"/>
+                      <a:blip r:embed="rId5"/>
                       <a:stretch>
                         <a:fillRect/>
                       </a:stretch>
@@ -17885,7 +17885,7 @@
   <p:timing>
     <p:tnLst>
       <p:par>
-        <p:cTn id="1" dur="indefinite" restart="never" nodeType="tmRoot"/>
+        <p:cTn xmlns:p14="http://schemas.microsoft.com/office/powerpoint/2010/main" id="1" dur="indefinite" restart="never" nodeType="tmRoot"/>
       </p:par>
     </p:tnLst>
   </p:timing>
@@ -18009,12 +18009,12 @@
           <a:graphicData uri="http://schemas.openxmlformats.org/presentationml/2006/ole">
             <mc:AlternateContent xmlns:mc="http://schemas.openxmlformats.org/markup-compatibility/2006">
               <mc:Choice xmlns:v="urn:schemas-microsoft-com:vml" Requires="v">
-                <p:oleObj spid="_x0000_s28787" name="文書" r:id="rId5" imgW="4495800" imgH="2133600" progId="Word.Document.12">
+                <p:oleObj spid="_x0000_s28783" name="文書" r:id="rId4" imgW="4495800" imgH="2133600" progId="Word.Document.12">
                   <p:embed/>
                 </p:oleObj>
               </mc:Choice>
               <mc:Fallback>
-                <p:oleObj name="文書" r:id="rId5" imgW="4495800" imgH="2133600" progId="Word.Document.12">
+                <p:oleObj name="文書" r:id="rId4" imgW="4495800" imgH="2133600" progId="Word.Document.12">
                   <p:embed/>
                   <p:pic>
                     <p:nvPicPr>
@@ -18023,7 +18023,7 @@
                       <p:nvPr/>
                     </p:nvPicPr>
                     <p:blipFill>
-                      <a:blip r:embed="rId6"/>
+                      <a:blip r:embed="rId5"/>
                       <a:stretch>
                         <a:fillRect/>
                       </a:stretch>
@@ -18057,7 +18057,7 @@
   <p:timing>
     <p:tnLst>
       <p:par>
-        <p:cTn id="1" dur="indefinite" restart="never" nodeType="tmRoot"/>
+        <p:cTn xmlns:p14="http://schemas.microsoft.com/office/powerpoint/2010/main" id="1" dur="indefinite" restart="never" nodeType="tmRoot"/>
       </p:par>
     </p:tnLst>
   </p:timing>
@@ -18181,12 +18181,12 @@
           <a:graphicData uri="http://schemas.openxmlformats.org/presentationml/2006/ole">
             <mc:AlternateContent xmlns:mc="http://schemas.openxmlformats.org/markup-compatibility/2006">
               <mc:Choice xmlns:v="urn:schemas-microsoft-com:vml" Requires="v">
-                <p:oleObj spid="_x0000_s30817" name="文書" r:id="rId5" imgW="4495800" imgH="1917700" progId="Word.Document.12">
+                <p:oleObj spid="_x0000_s30813" name="文書" r:id="rId4" imgW="4495800" imgH="1917700" progId="Word.Document.12">
                   <p:embed/>
                 </p:oleObj>
               </mc:Choice>
               <mc:Fallback>
-                <p:oleObj name="文書" r:id="rId5" imgW="4495800" imgH="1917700" progId="Word.Document.12">
+                <p:oleObj name="文書" r:id="rId4" imgW="4495800" imgH="1917700" progId="Word.Document.12">
                   <p:embed/>
                   <p:pic>
                     <p:nvPicPr>
@@ -18195,7 +18195,7 @@
                       <p:nvPr/>
                     </p:nvPicPr>
                     <p:blipFill>
-                      <a:blip r:embed="rId6"/>
+                      <a:blip r:embed="rId5"/>
                       <a:stretch>
                         <a:fillRect/>
                       </a:stretch>
@@ -18229,7 +18229,7 @@
   <p:timing>
     <p:tnLst>
       <p:par>
-        <p:cTn id="1" dur="indefinite" restart="never" nodeType="tmRoot"/>
+        <p:cTn xmlns:p14="http://schemas.microsoft.com/office/powerpoint/2010/main" id="1" dur="indefinite" restart="never" nodeType="tmRoot"/>
       </p:par>
     </p:tnLst>
   </p:timing>
@@ -18353,12 +18353,12 @@
           <a:graphicData uri="http://schemas.openxmlformats.org/presentationml/2006/ole">
             <mc:AlternateContent xmlns:mc="http://schemas.openxmlformats.org/markup-compatibility/2006">
               <mc:Choice xmlns:v="urn:schemas-microsoft-com:vml" Requires="v">
-                <p:oleObj spid="_x0000_s31843" name="文書" r:id="rId5" imgW="4495800" imgH="2222500" progId="Word.Document.12">
+                <p:oleObj spid="_x0000_s31839" name="文書" r:id="rId4" imgW="4495800" imgH="2222500" progId="Word.Document.12">
                   <p:embed/>
                 </p:oleObj>
               </mc:Choice>
               <mc:Fallback>
-                <p:oleObj name="文書" r:id="rId5" imgW="4495800" imgH="2222500" progId="Word.Document.12">
+                <p:oleObj name="文書" r:id="rId4" imgW="4495800" imgH="2222500" progId="Word.Document.12">
                   <p:embed/>
                   <p:pic>
                     <p:nvPicPr>
@@ -18367,7 +18367,7 @@
                       <p:nvPr/>
                     </p:nvPicPr>
                     <p:blipFill>
-                      <a:blip r:embed="rId6"/>
+                      <a:blip r:embed="rId5"/>
                       <a:stretch>
                         <a:fillRect/>
                       </a:stretch>
@@ -18401,7 +18401,7 @@
   <p:timing>
     <p:tnLst>
       <p:par>
-        <p:cTn id="1" dur="indefinite" restart="never" nodeType="tmRoot"/>
+        <p:cTn xmlns:p14="http://schemas.microsoft.com/office/powerpoint/2010/main" id="1" dur="indefinite" restart="never" nodeType="tmRoot"/>
       </p:par>
     </p:tnLst>
   </p:timing>
@@ -18525,12 +18525,12 @@
           <a:graphicData uri="http://schemas.openxmlformats.org/presentationml/2006/ole">
             <mc:AlternateContent xmlns:mc="http://schemas.openxmlformats.org/markup-compatibility/2006">
               <mc:Choice xmlns:v="urn:schemas-microsoft-com:vml" Requires="v">
-                <p:oleObj spid="_x0000_s19660" name="文書" r:id="rId5" imgW="4495800" imgH="1638300" progId="Word.Document.12">
+                <p:oleObj spid="_x0000_s19656" name="文書" r:id="rId4" imgW="4495800" imgH="1638300" progId="Word.Document.12">
                   <p:embed/>
                 </p:oleObj>
               </mc:Choice>
               <mc:Fallback>
-                <p:oleObj name="文書" r:id="rId5" imgW="4495800" imgH="1638300" progId="Word.Document.12">
+                <p:oleObj name="文書" r:id="rId4" imgW="4495800" imgH="1638300" progId="Word.Document.12">
                   <p:embed/>
                   <p:pic>
                     <p:nvPicPr>
@@ -18539,7 +18539,7 @@
                       <p:nvPr/>
                     </p:nvPicPr>
                     <p:blipFill>
-                      <a:blip r:embed="rId6"/>
+                      <a:blip r:embed="rId5"/>
                       <a:stretch>
                         <a:fillRect/>
                       </a:stretch>
@@ -18573,7 +18573,7 @@
   <p:timing>
     <p:tnLst>
       <p:par>
-        <p:cTn id="1" dur="indefinite" restart="never" nodeType="tmRoot"/>
+        <p:cTn xmlns:p14="http://schemas.microsoft.com/office/powerpoint/2010/main" id="1" dur="indefinite" restart="never" nodeType="tmRoot"/>
       </p:par>
     </p:tnLst>
   </p:timing>
@@ -18697,12 +18697,12 @@
           <a:graphicData uri="http://schemas.openxmlformats.org/presentationml/2006/ole">
             <mc:AlternateContent xmlns:mc="http://schemas.openxmlformats.org/markup-compatibility/2006">
               <mc:Choice xmlns:v="urn:schemas-microsoft-com:vml" Requires="v">
-                <p:oleObj spid="_x0000_s38938" name="文書" r:id="rId5" imgW="4495800" imgH="1638300" progId="Word.Document.12">
+                <p:oleObj spid="_x0000_s38932" name="文書" r:id="rId4" imgW="4495800" imgH="1638300" progId="Word.Document.12">
                   <p:embed/>
                 </p:oleObj>
               </mc:Choice>
               <mc:Fallback>
-                <p:oleObj name="文書" r:id="rId5" imgW="4495800" imgH="1638300" progId="Word.Document.12">
+                <p:oleObj name="文書" r:id="rId4" imgW="4495800" imgH="1638300" progId="Word.Document.12">
                   <p:embed/>
                   <p:pic>
                     <p:nvPicPr>
@@ -18711,7 +18711,7 @@
                       <p:nvPr/>
                     </p:nvPicPr>
                     <p:blipFill>
-                      <a:blip r:embed="rId6"/>
+                      <a:blip r:embed="rId5"/>
                       <a:stretch>
                         <a:fillRect/>
                       </a:stretch>
@@ -18741,7 +18741,7 @@
           <p:nvPr/>
         </p:nvPicPr>
         <p:blipFill>
-          <a:blip r:embed="rId7">
+          <a:blip r:embed="rId6">
             <a:extLst>
               <a:ext uri="{28A0092B-C50C-407E-A947-70E740481C1C}">
                 <a14:useLocalDpi xmlns:a14="http://schemas.microsoft.com/office/drawing/2010/main" val="0"/>
@@ -18860,12 +18860,12 @@
           <a:graphicData uri="http://schemas.openxmlformats.org/presentationml/2006/ole">
             <mc:AlternateContent xmlns:mc="http://schemas.openxmlformats.org/markup-compatibility/2006">
               <mc:Choice xmlns:v="urn:schemas-microsoft-com:vml" Requires="v">
-                <p:oleObj spid="_x0000_s38939" name="Equation" r:id="rId8" imgW="228600" imgH="165100" progId="Equation.DSMT4">
+                <p:oleObj spid="_x0000_s38933" name="Equation" r:id="rId7" imgW="228600" imgH="165100" progId="Equation.DSMT4">
                   <p:embed/>
                 </p:oleObj>
               </mc:Choice>
               <mc:Fallback>
-                <p:oleObj name="Equation" r:id="rId8" imgW="228600" imgH="165100" progId="Equation.DSMT4">
+                <p:oleObj name="Equation" r:id="rId7" imgW="228600" imgH="165100" progId="Equation.DSMT4">
                   <p:embed/>
                   <p:pic>
                     <p:nvPicPr>
@@ -18874,7 +18874,7 @@
                       <p:nvPr/>
                     </p:nvPicPr>
                     <p:blipFill>
-                      <a:blip r:embed="rId9"/>
+                      <a:blip r:embed="rId8"/>
                       <a:stretch>
                         <a:fillRect/>
                       </a:stretch>
@@ -18908,7 +18908,7 @@
   <p:timing>
     <p:tnLst>
       <p:par>
-        <p:cTn id="1" dur="indefinite" restart="never" nodeType="tmRoot"/>
+        <p:cTn xmlns:p14="http://schemas.microsoft.com/office/powerpoint/2010/main" id="1" dur="indefinite" restart="never" nodeType="tmRoot"/>
       </p:par>
     </p:tnLst>
   </p:timing>
@@ -19197,7 +19197,7 @@
   <a:extraClrSchemeLst/>
   <a:extLst>
     <a:ext uri="{05A4C25C-085E-4340-85A3-A5531E510DB2}">
-      <thm15:themeFamily xmlns:thm15="http://schemas.microsoft.com/office/thememl/2012/main" name="プレゼンテーション7" id="{423002E4-7FD9-6640-9BE1-02790D05BA1E}" vid="{82099355-738F-7B4C-8B1D-DB529BAB30B7}"/>
+      <thm15:themeFamily xmlns:thm15="http://schemas.microsoft.com/office/thememl/2012/main" xmlns="" name="プレゼンテーション7" id="{423002E4-7FD9-6640-9BE1-02790D05BA1E}" vid="{82099355-738F-7B4C-8B1D-DB529BAB30B7}"/>
     </a:ext>
   </a:extLst>
 </a:theme>
@@ -19485,7 +19485,7 @@
   <a:extraClrSchemeLst/>
   <a:extLst>
     <a:ext uri="{05A4C25C-085E-4340-85A3-A5531E510DB2}">
-      <thm15:themeFamily xmlns:thm15="http://schemas.microsoft.com/office/thememl/2012/main" name="プレゼンテーション7" id="{423002E4-7FD9-6640-9BE1-02790D05BA1E}" vid="{82099355-738F-7B4C-8B1D-DB529BAB30B7}"/>
+      <thm15:themeFamily xmlns:thm15="http://schemas.microsoft.com/office/thememl/2012/main" xmlns="" name="プレゼンテーション7" id="{423002E4-7FD9-6640-9BE1-02790D05BA1E}" vid="{82099355-738F-7B4C-8B1D-DB529BAB30B7}"/>
     </a:ext>
   </a:extLst>
 </a:theme>
